--- a/test/pptx/incremental-lists/with-flag/output.pptx
+++ b/test/pptx/incremental-lists/with-flag/output.pptx
@@ -3162,35 +3162,35 @@
           <a:bodyPr/>
           <a:lstStyle/>
           <a:p>
-            <a:pPr lvl="1"/>
+            <a:pPr lvl="0"/>
             <a:r>
               <a:rPr/>
               <a:t>These</a:t>
             </a:r>
           </a:p>
           <a:p>
-            <a:pPr lvl="1"/>
+            <a:pPr lvl="0"/>
             <a:r>
               <a:rPr/>
               <a:t>bullets</a:t>
             </a:r>
           </a:p>
           <a:p>
-            <a:pPr lvl="1"/>
+            <a:pPr lvl="0"/>
             <a:r>
               <a:rPr/>
               <a:t>should</a:t>
             </a:r>
           </a:p>
           <a:p>
-            <a:pPr lvl="1"/>
+            <a:pPr lvl="0"/>
             <a:r>
               <a:rPr/>
               <a:t>be</a:t>
             </a:r>
           </a:p>
           <a:p>
-            <a:pPr lvl="1"/>
+            <a:pPr lvl="0"/>
             <a:r>
               <a:rPr/>
               <a:t>incremental</a:t>
@@ -3538,28 +3538,28 @@
           <a:bodyPr/>
           <a:lstStyle/>
           <a:p>
-            <a:pPr lvl="1"/>
+            <a:pPr lvl="0"/>
             <a:r>
               <a:rPr/>
               <a:t>these</a:t>
             </a:r>
           </a:p>
           <a:p>
-            <a:pPr lvl="1"/>
+            <a:pPr lvl="0"/>
             <a:r>
               <a:rPr/>
               <a:t>are</a:t>
             </a:r>
           </a:p>
           <a:p>
-            <a:pPr lvl="1"/>
+            <a:pPr lvl="0"/>
             <a:r>
               <a:rPr/>
               <a:t>incremental</a:t>
             </a:r>
           </a:p>
           <a:p>
-            <a:pPr lvl="1"/>
+            <a:pPr lvl="0"/>
             <a:r>
               <a:rPr/>
               <a:t>(the incremental class wins)</a:t>
@@ -3867,21 +3867,21 @@
             </a:r>
           </a:p>
           <a:p>
-            <a:pPr lvl="1"/>
+            <a:pPr lvl="0"/>
             <a:r>
               <a:rPr/>
               <a:t>one</a:t>
             </a:r>
           </a:p>
           <a:p>
-            <a:pPr lvl="1"/>
+            <a:pPr lvl="0"/>
             <a:r>
               <a:rPr/>
               <a:t>two</a:t>
             </a:r>
           </a:p>
           <a:p>
-            <a:pPr lvl="1"/>
+            <a:pPr lvl="0"/>
             <a:r>
               <a:rPr/>
               <a:t>three</a:t>
@@ -3897,21 +3897,21 @@
             </a:r>
           </a:p>
           <a:p>
-            <a:pPr lvl="1"/>
+            <a:pPr lvl="0"/>
             <a:r>
               <a:rPr/>
               <a:t>one</a:t>
             </a:r>
           </a:p>
           <a:p>
-            <a:pPr lvl="1"/>
+            <a:pPr lvl="0"/>
             <a:r>
               <a:rPr/>
               <a:t>two</a:t>
             </a:r>
           </a:p>
           <a:p>
-            <a:pPr lvl="1"/>
+            <a:pPr lvl="0"/>
             <a:r>
               <a:rPr/>
               <a:t>three</a:t>
@@ -3927,21 +3927,21 @@
             </a:r>
           </a:p>
           <a:p>
-            <a:pPr lvl="1"/>
+            <a:pPr lvl="0"/>
             <a:r>
               <a:rPr sz="2000"/>
               <a:t>one</a:t>
             </a:r>
           </a:p>
           <a:p>
-            <a:pPr lvl="1"/>
+            <a:pPr lvl="0"/>
             <a:r>
               <a:rPr sz="2000"/>
               <a:t>two</a:t>
             </a:r>
           </a:p>
           <a:p>
-            <a:pPr lvl="1"/>
+            <a:pPr lvl="0"/>
             <a:r>
               <a:rPr sz="2000"/>
               <a:t>three</a:t>
@@ -4191,42 +4191,42 @@
           <a:bodyPr/>
           <a:lstStyle/>
           <a:p>
-            <a:pPr lvl="1"/>
+            <a:pPr lvl="0"/>
             <a:r>
               <a:rPr/>
               <a:t>these</a:t>
             </a:r>
           </a:p>
           <a:p>
-            <a:pPr lvl="1"/>
+            <a:pPr lvl="0"/>
             <a:r>
               <a:rPr/>
               <a:t>are</a:t>
             </a:r>
           </a:p>
           <a:p>
-            <a:pPr lvl="1"/>
+            <a:pPr lvl="0"/>
             <a:r>
               <a:rPr/>
               <a:t>incremental</a:t>
             </a:r>
           </a:p>
           <a:p>
-            <a:pPr lvl="1"/>
+            <a:pPr lvl="0"/>
             <a:r>
               <a:rPr/>
               <a:t>these</a:t>
             </a:r>
           </a:p>
           <a:p>
-            <a:pPr lvl="1"/>
+            <a:pPr lvl="0"/>
             <a:r>
               <a:rPr/>
               <a:t>are</a:t>
             </a:r>
           </a:p>
           <a:p>
-            <a:pPr lvl="1"/>
+            <a:pPr lvl="0"/>
             <a:r>
               <a:rPr/>
               <a:t>not</a:t>
@@ -4476,21 +4476,21 @@
           <a:bodyPr/>
           <a:lstStyle/>
           <a:p>
-            <a:pPr lvl="1"/>
+            <a:pPr lvl="0"/>
             <a:r>
               <a:rPr/>
               <a:t>as</a:t>
             </a:r>
           </a:p>
           <a:p>
-            <a:pPr lvl="1"/>
+            <a:pPr lvl="0"/>
             <a:r>
               <a:rPr/>
               <a:t>should</a:t>
             </a:r>
           </a:p>
           <a:p>
-            <a:pPr lvl="1"/>
+            <a:pPr lvl="0"/>
             <a:r>
               <a:rPr/>
               <a:t>these</a:t>
@@ -4749,21 +4749,21 @@
             </a:r>
           </a:p>
           <a:p>
-            <a:pPr lvl="1"/>
+            <a:pPr lvl="0"/>
             <a:r>
               <a:rPr/>
               <a:t>also</a:t>
             </a:r>
           </a:p>
           <a:p>
-            <a:pPr lvl="1"/>
+            <a:pPr lvl="0"/>
             <a:r>
               <a:rPr/>
               <a:t>be</a:t>
             </a:r>
           </a:p>
           <a:p>
-            <a:pPr lvl="1"/>
+            <a:pPr lvl="0"/>
             <a:r>
               <a:rPr/>
               <a:t>incremental</a:t>
@@ -5013,7 +5013,7 @@
           <a:bodyPr/>
           <a:lstStyle/>
           <a:p>
-            <a:pPr lvl="1">
+            <a:pPr lvl="0">
               <a:buAutoNum type="arabicPeriod"/>
             </a:pPr>
             <a:r>
@@ -5022,7 +5022,7 @@
             </a:r>
           </a:p>
           <a:p>
-            <a:pPr lvl="1">
+            <a:pPr lvl="0">
               <a:buAutoNum type="arabicPeriod"/>
             </a:pPr>
             <a:r>
@@ -5031,7 +5031,7 @@
             </a:r>
           </a:p>
           <a:p>
-            <a:pPr lvl="1">
+            <a:pPr lvl="0">
               <a:buAutoNum type="arabicPeriod"/>
             </a:pPr>
             <a:r>
@@ -5049,21 +5049,21 @@
             </a:r>
           </a:p>
           <a:p>
-            <a:pPr lvl="1"/>
+            <a:pPr lvl="0"/>
             <a:r>
               <a:rPr/>
               <a:t>But</a:t>
             </a:r>
           </a:p>
           <a:p>
-            <a:pPr lvl="1"/>
+            <a:pPr lvl="0"/>
             <a:r>
               <a:rPr/>
               <a:t>these</a:t>
             </a:r>
           </a:p>
           <a:p>
-            <a:pPr lvl="1"/>
+            <a:pPr lvl="0"/>
             <a:r>
               <a:rPr/>
               <a:t>are</a:t>
@@ -5469,21 +5469,21 @@
             </a:r>
           </a:p>
           <a:p>
-            <a:pPr lvl="1"/>
+            <a:pPr lvl="0"/>
             <a:r>
               <a:rPr/>
               <a:t>one</a:t>
             </a:r>
           </a:p>
           <a:p>
-            <a:pPr lvl="1"/>
+            <a:pPr lvl="0"/>
             <a:r>
               <a:rPr/>
               <a:t>by</a:t>
             </a:r>
           </a:p>
           <a:p>
-            <a:pPr lvl="1"/>
+            <a:pPr lvl="0"/>
             <a:r>
               <a:rPr/>
               <a:t>one</a:t>
@@ -5524,21 +5524,21 @@
             </a:r>
           </a:p>
           <a:p>
-            <a:pPr lvl="1"/>
+            <a:pPr lvl="0"/>
             <a:r>
               <a:rPr/>
               <a:t>one</a:t>
             </a:r>
           </a:p>
           <a:p>
-            <a:pPr lvl="1"/>
+            <a:pPr lvl="0"/>
             <a:r>
               <a:rPr/>
               <a:t>by</a:t>
             </a:r>
           </a:p>
           <a:p>
-            <a:pPr lvl="1"/>
+            <a:pPr lvl="0"/>
             <a:r>
               <a:rPr/>
               <a:t>one</a:t>
@@ -6005,21 +6005,21 @@
           <a:bodyPr/>
           <a:lstStyle/>
           <a:p>
-            <a:pPr lvl="1"/>
+            <a:pPr lvl="0"/>
             <a:r>
               <a:rPr/>
               <a:t>An</a:t>
             </a:r>
           </a:p>
           <a:p>
-            <a:pPr lvl="1"/>
+            <a:pPr lvl="0"/>
             <a:r>
               <a:rPr/>
               <a:t>Incremental</a:t>
             </a:r>
           </a:p>
           <a:p>
-            <a:pPr lvl="1"/>
+            <a:pPr lvl="0"/>
             <a:r>
               <a:rPr/>
               <a:t>List</a:t>
@@ -6283,21 +6283,21 @@
             </a:r>
           </a:p>
           <a:p>
-            <a:pPr lvl="1"/>
+            <a:pPr lvl="0"/>
             <a:r>
               <a:rPr/>
               <a:t>one</a:t>
             </a:r>
           </a:p>
           <a:p>
-            <a:pPr lvl="1"/>
+            <a:pPr lvl="0"/>
             <a:r>
               <a:rPr/>
               <a:t>two</a:t>
             </a:r>
           </a:p>
           <a:p>
-            <a:pPr lvl="1"/>
+            <a:pPr lvl="0"/>
             <a:r>
               <a:rPr/>
               <a:t>three</a:t>
@@ -6616,21 +6616,21 @@
           <a:bodyPr/>
           <a:lstStyle/>
           <a:p>
-            <a:pPr lvl="1"/>
+            <a:pPr lvl="0"/>
             <a:r>
               <a:rPr/>
               <a:t>one</a:t>
             </a:r>
           </a:p>
           <a:p>
-            <a:pPr lvl="1"/>
+            <a:pPr lvl="0"/>
             <a:r>
               <a:rPr/>
               <a:t>two</a:t>
             </a:r>
           </a:p>
           <a:p>
-            <a:pPr lvl="1"/>
+            <a:pPr lvl="0"/>
             <a:r>
               <a:rPr/>
               <a:t>three</a:t>
@@ -6713,7 +6713,7 @@
           <a:bodyPr/>
           <a:lstStyle/>
           <a:p>
-            <a:pPr lvl="1">
+            <a:pPr lvl="0">
               <a:buAutoNum type="arabicPeriod"/>
             </a:pPr>
             <a:r>
@@ -6722,7 +6722,7 @@
             </a:r>
           </a:p>
           <a:p>
-            <a:pPr lvl="1">
+            <a:pPr lvl="0">
               <a:buAutoNum type="arabicPeriod"/>
             </a:pPr>
             <a:r>
@@ -6731,7 +6731,7 @@
             </a:r>
           </a:p>
           <a:p>
-            <a:pPr lvl="1">
+            <a:pPr lvl="0">
               <a:buAutoNum type="arabicPeriod"/>
             </a:pPr>
             <a:r>
@@ -7193,42 +7193,42 @@
           <a:bodyPr/>
           <a:lstStyle/>
           <a:p>
-            <a:pPr lvl="1"/>
+            <a:pPr lvl="0"/>
             <a:r>
               <a:rPr/>
               <a:t>these</a:t>
             </a:r>
           </a:p>
           <a:p>
-            <a:pPr lvl="1"/>
+            <a:pPr lvl="0"/>
             <a:r>
               <a:rPr/>
               <a:t>are</a:t>
             </a:r>
           </a:p>
           <a:p>
-            <a:pPr lvl="1"/>
+            <a:pPr lvl="0"/>
             <a:r>
               <a:rPr/>
               <a:t>not</a:t>
             </a:r>
           </a:p>
           <a:p>
-            <a:pPr lvl="1"/>
+            <a:pPr lvl="0"/>
             <a:r>
               <a:rPr/>
               <a:t>incremental</a:t>
             </a:r>
           </a:p>
           <a:p>
-            <a:pPr lvl="1"/>
+            <a:pPr lvl="0"/>
             <a:r>
               <a:rPr/>
               <a:t>these</a:t>
             </a:r>
           </a:p>
           <a:p>
-            <a:pPr lvl="1"/>
+            <a:pPr lvl="0"/>
             <a:r>
               <a:rPr/>
               <a:t>are</a:t>

--- a/test/pptx/incremental-lists/with-flag/output.pptx
+++ b/test/pptx/incremental-lists/with-flag/output.pptx
@@ -2870,7 +2870,7 @@
       </a:lvl1pPr>
     </p:titleStyle>
     <p:bodyStyle>
-      <a:lvl1pPr algn="l" defTabSz="457200" eaLnBrk="1" hangingPunct="1" indent="-342900" latinLnBrk="0" marL="342900" rtl="0">
+      <a:lvl1pPr algn="l" defTabSz="457200" eaLnBrk="1" hangingPunct="1" indent="-457200" latinLnBrk="0" marL="457200" rtl="0">
         <a:spcBef>
           <a:spcPct val="20000"/>
         </a:spcBef>
@@ -2885,7 +2885,7 @@
           <a:cs typeface="+mn-cs"/>
         </a:defRPr>
       </a:lvl1pPr>
-      <a:lvl2pPr algn="l" defTabSz="457200" eaLnBrk="1" hangingPunct="1" indent="-285750" latinLnBrk="0" marL="742950" rtl="0">
+      <a:lvl2pPr algn="l" defTabSz="457200" eaLnBrk="1" hangingPunct="1" indent="-457200" latinLnBrk="0" marL="914400" rtl="0">
         <a:spcBef>
           <a:spcPct val="20000"/>
         </a:spcBef>
@@ -2900,7 +2900,7 @@
           <a:cs typeface="+mn-cs"/>
         </a:defRPr>
       </a:lvl2pPr>
-      <a:lvl3pPr algn="l" defTabSz="457200" eaLnBrk="1" hangingPunct="1" indent="-228600" latinLnBrk="0" marL="1143000" rtl="0">
+      <a:lvl3pPr algn="l" defTabSz="457200" eaLnBrk="1" hangingPunct="1" indent="-457200" latinLnBrk="0" marL="1371600" rtl="0">
         <a:spcBef>
           <a:spcPct val="20000"/>
         </a:spcBef>
@@ -2915,7 +2915,7 @@
           <a:cs typeface="+mn-cs"/>
         </a:defRPr>
       </a:lvl3pPr>
-      <a:lvl4pPr algn="l" defTabSz="457200" eaLnBrk="1" hangingPunct="1" indent="-228600" latinLnBrk="0" marL="1600200" rtl="0">
+      <a:lvl4pPr algn="l" defTabSz="457200" eaLnBrk="1" hangingPunct="1" indent="-457200" latinLnBrk="0" marL="1828800" rtl="0">
         <a:spcBef>
           <a:spcPct val="20000"/>
         </a:spcBef>
@@ -2930,7 +2930,7 @@
           <a:cs typeface="+mn-cs"/>
         </a:defRPr>
       </a:lvl4pPr>
-      <a:lvl5pPr algn="l" defTabSz="457200" eaLnBrk="1" hangingPunct="1" indent="-228600" latinLnBrk="0" marL="2057400" rtl="0">
+      <a:lvl5pPr algn="l" defTabSz="457200" eaLnBrk="1" hangingPunct="1" indent="-457200" latinLnBrk="0" marL="2286000" rtl="0">
         <a:spcBef>
           <a:spcPct val="20000"/>
         </a:spcBef>
@@ -2945,7 +2945,7 @@
           <a:cs typeface="+mn-cs"/>
         </a:defRPr>
       </a:lvl5pPr>
-      <a:lvl6pPr algn="l" defTabSz="457200" eaLnBrk="1" hangingPunct="1" indent="-228600" latinLnBrk="0" marL="2514600" rtl="0">
+      <a:lvl6pPr algn="l" defTabSz="457200" eaLnBrk="1" hangingPunct="1" indent="-457200" latinLnBrk="0" marL="2743200" rtl="0">
         <a:spcBef>
           <a:spcPct val="20000"/>
         </a:spcBef>
@@ -2960,7 +2960,7 @@
           <a:cs typeface="+mn-cs"/>
         </a:defRPr>
       </a:lvl6pPr>
-      <a:lvl7pPr algn="l" defTabSz="457200" eaLnBrk="1" hangingPunct="1" indent="-228600" latinLnBrk="0" marL="2971800" rtl="0">
+      <a:lvl7pPr algn="l" defTabSz="457200" eaLnBrk="1" hangingPunct="1" indent="-457200" latinLnBrk="0" marL="3200400" rtl="0">
         <a:spcBef>
           <a:spcPct val="20000"/>
         </a:spcBef>
@@ -2975,7 +2975,7 @@
           <a:cs typeface="+mn-cs"/>
         </a:defRPr>
       </a:lvl7pPr>
-      <a:lvl8pPr algn="l" defTabSz="457200" eaLnBrk="1" hangingPunct="1" indent="-228600" latinLnBrk="0" marL="3429000" rtl="0">
+      <a:lvl8pPr algn="l" defTabSz="457200" eaLnBrk="1" hangingPunct="1" indent="-457200" latinLnBrk="0" marL="3657600" rtl="0">
         <a:spcBef>
           <a:spcPct val="20000"/>
         </a:spcBef>
@@ -2990,7 +2990,7 @@
           <a:cs typeface="+mn-cs"/>
         </a:defRPr>
       </a:lvl8pPr>
-      <a:lvl9pPr algn="l" defTabSz="457200" eaLnBrk="1" hangingPunct="1" indent="-228600" latinLnBrk="0" marL="3886200" rtl="0">
+      <a:lvl9pPr algn="l" defTabSz="457200" eaLnBrk="1" hangingPunct="1" indent="-457200" latinLnBrk="0" marL="4114800" rtl="0">
         <a:spcBef>
           <a:spcPct val="20000"/>
         </a:spcBef>
@@ -3137,7 +3137,7 @@
           <a:bodyPr/>
           <a:lstStyle/>
           <a:p>
-            <a:pPr lvl="0" marL="0" indent="0">
+            <a:pPr lvl="0" indent="0" marL="0">
               <a:buNone/>
             </a:pPr>
             <a:r>
@@ -3513,7 +3513,7 @@
           <a:bodyPr/>
           <a:lstStyle/>
           <a:p>
-            <a:pPr lvl="0" marL="0" indent="0">
+            <a:pPr lvl="0" indent="0" marL="0">
               <a:buNone/>
             </a:pPr>
             <a:r>
@@ -3833,7 +3833,7 @@
           <a:bodyPr/>
           <a:lstStyle/>
           <a:p>
-            <a:pPr lvl="0" marL="0" indent="0">
+            <a:pPr lvl="0" indent="0" marL="0">
               <a:buNone/>
             </a:pPr>
             <a:r>
@@ -3858,7 +3858,7 @@
           <a:bodyPr/>
           <a:lstStyle/>
           <a:p>
-            <a:pPr lvl="0" marL="0" indent="0">
+            <a:pPr lvl="0" indent="0" marL="0">
               <a:buNone/>
             </a:pPr>
             <a:r>
@@ -3888,7 +3888,7 @@
             </a:r>
           </a:p>
           <a:p>
-            <a:pPr lvl="0" marL="0" indent="0">
+            <a:pPr lvl="0" indent="0" marL="0">
               <a:buNone/>
             </a:pPr>
             <a:r>
@@ -3918,7 +3918,7 @@
             </a:r>
           </a:p>
           <a:p>
-            <a:pPr lvl="0" marL="0" indent="0">
+            <a:pPr lvl="0" indent="0" marL="0">
               <a:buNone/>
             </a:pPr>
             <a:r>
@@ -4166,7 +4166,7 @@
           <a:bodyPr/>
           <a:lstStyle/>
           <a:p>
-            <a:pPr lvl="0" marL="0" indent="0">
+            <a:pPr lvl="0" indent="0" marL="0">
               <a:buNone/>
             </a:pPr>
             <a:r>
@@ -4451,7 +4451,7 @@
           <a:bodyPr/>
           <a:lstStyle/>
           <a:p>
-            <a:pPr lvl="0" marL="0" indent="0">
+            <a:pPr lvl="0" indent="0" marL="0">
               <a:buNone/>
             </a:pPr>
             <a:r>
@@ -4715,7 +4715,7 @@
           <a:bodyPr/>
           <a:lstStyle/>
           <a:p>
-            <a:pPr lvl="0" marL="0" indent="0">
+            <a:pPr lvl="0" indent="0" marL="0">
               <a:buNone/>
             </a:pPr>
             <a:r>
@@ -4740,7 +4740,7 @@
           <a:bodyPr/>
           <a:lstStyle/>
           <a:p>
-            <a:pPr lvl="0" marL="0" indent="0">
+            <a:pPr lvl="0" indent="0" marL="0">
               <a:buNone/>
             </a:pPr>
             <a:r>
@@ -4988,7 +4988,7 @@
           <a:bodyPr/>
           <a:lstStyle/>
           <a:p>
-            <a:pPr lvl="0" marL="0" indent="0">
+            <a:pPr lvl="0" indent="0" marL="0">
               <a:buNone/>
             </a:pPr>
             <a:r>
@@ -5013,7 +5013,7 @@
           <a:bodyPr/>
           <a:lstStyle/>
           <a:p>
-            <a:pPr lvl="0">
+            <a:pPr lvl="0" indent="-457200" marL="457200">
               <a:buAutoNum type="arabicPeriod"/>
             </a:pPr>
             <a:r>
@@ -5022,7 +5022,7 @@
             </a:r>
           </a:p>
           <a:p>
-            <a:pPr lvl="0">
+            <a:pPr lvl="0" indent="-457200" marL="457200">
               <a:buAutoNum type="arabicPeriod"/>
             </a:pPr>
             <a:r>
@@ -5031,7 +5031,7 @@
             </a:r>
           </a:p>
           <a:p>
-            <a:pPr lvl="0">
+            <a:pPr lvl="0" indent="-457200" marL="457200">
               <a:buAutoNum type="arabicPeriod"/>
             </a:pPr>
             <a:r>
@@ -5040,7 +5040,7 @@
             </a:r>
           </a:p>
           <a:p>
-            <a:pPr lvl="0" marL="0" indent="0">
+            <a:pPr lvl="0" indent="0" marL="0">
               <a:buNone/>
             </a:pPr>
             <a:r>
@@ -5435,7 +5435,7 @@
           <a:bodyPr/>
           <a:lstStyle/>
           <a:p>
-            <a:pPr lvl="0" marL="0" indent="0">
+            <a:pPr lvl="0" indent="0" marL="0">
               <a:buNone/>
             </a:pPr>
             <a:r>
@@ -5460,7 +5460,7 @@
           <a:bodyPr/>
           <a:lstStyle/>
           <a:p>
-            <a:pPr lvl="0" marL="0" indent="0">
+            <a:pPr lvl="0" indent="0" marL="0">
               <a:buNone/>
             </a:pPr>
             <a:r>
@@ -5490,7 +5490,7 @@
             </a:r>
           </a:p>
           <a:p>
-            <a:pPr lvl="0" marL="0" indent="0">
+            <a:pPr lvl="0" indent="0" marL="0">
               <a:buNone/>
             </a:pPr>
             <a:r>
@@ -5515,7 +5515,7 @@
           <a:bodyPr/>
           <a:lstStyle/>
           <a:p>
-            <a:pPr lvl="0" marL="0" indent="0">
+            <a:pPr lvl="0" indent="0" marL="0">
               <a:buNone/>
             </a:pPr>
             <a:r>
@@ -5545,7 +5545,7 @@
             </a:r>
           </a:p>
           <a:p>
-            <a:pPr lvl="0" marL="0" indent="0">
+            <a:pPr lvl="0" indent="0" marL="0">
               <a:buNone/>
             </a:pPr>
             <a:r>
@@ -5920,7 +5920,7 @@
           <a:bodyPr/>
           <a:lstStyle/>
           <a:p>
-            <a:pPr lvl="0" marL="0" indent="0">
+            <a:pPr lvl="0" indent="0" marL="0">
               <a:buNone/>
             </a:pPr>
             <a:r>
@@ -5980,7 +5980,7 @@
           <a:bodyPr/>
           <a:lstStyle/>
           <a:p>
-            <a:pPr lvl="0" marL="0" indent="0" algn="ctr">
+            <a:pPr lvl="0" indent="0" marL="0" algn="ctr">
               <a:buNone/>
             </a:pPr>
             <a:r>
@@ -6249,7 +6249,7 @@
           <a:bodyPr/>
           <a:lstStyle/>
           <a:p>
-            <a:pPr lvl="0" marL="0" indent="0">
+            <a:pPr lvl="0" indent="0" marL="0">
               <a:buNone/>
             </a:pPr>
             <a:r>
@@ -6274,7 +6274,7 @@
           <a:bodyPr/>
           <a:lstStyle/>
           <a:p>
-            <a:pPr lvl="0" marL="0" indent="0">
+            <a:pPr lvl="0" indent="0" marL="0">
               <a:buNone/>
             </a:pPr>
             <a:r>
@@ -6304,7 +6304,7 @@
             </a:r>
           </a:p>
           <a:p>
-            <a:pPr lvl="0" marL="0" indent="0">
+            <a:pPr lvl="0" indent="0" marL="0">
               <a:buNone/>
             </a:pPr>
             <a:r>
@@ -6364,7 +6364,7 @@
           <a:bodyPr/>
           <a:lstStyle/>
           <a:p>
-            <a:pPr lvl="0" marL="0" indent="0" algn="ctr">
+            <a:pPr lvl="0" indent="0" marL="0" algn="ctr">
               <a:buNone/>
             </a:pPr>
             <a:r>
@@ -6591,7 +6591,7 @@
           <a:bodyPr/>
           <a:lstStyle/>
           <a:p>
-            <a:pPr lvl="0" marL="0" indent="0">
+            <a:pPr lvl="0" indent="0" marL="0">
               <a:buNone/>
             </a:pPr>
             <a:r>
@@ -6688,7 +6688,7 @@
           <a:bodyPr/>
           <a:lstStyle/>
           <a:p>
-            <a:pPr lvl="0" marL="0" indent="0" algn="ctr">
+            <a:pPr lvl="0" indent="0" marL="0" algn="ctr">
               <a:buNone/>
             </a:pPr>
             <a:r>
@@ -6713,7 +6713,7 @@
           <a:bodyPr/>
           <a:lstStyle/>
           <a:p>
-            <a:pPr lvl="0">
+            <a:pPr lvl="0" indent="-457200" marL="457200">
               <a:buAutoNum type="arabicPeriod"/>
             </a:pPr>
             <a:r>
@@ -6722,7 +6722,7 @@
             </a:r>
           </a:p>
           <a:p>
-            <a:pPr lvl="0">
+            <a:pPr lvl="0" indent="-457200" marL="457200">
               <a:buAutoNum type="arabicPeriod"/>
             </a:pPr>
             <a:r>
@@ -6731,7 +6731,7 @@
             </a:r>
           </a:p>
           <a:p>
-            <a:pPr lvl="0">
+            <a:pPr lvl="0" indent="-457200" marL="457200">
               <a:buAutoNum type="arabicPeriod"/>
             </a:pPr>
             <a:r>
@@ -6770,7 +6770,7 @@
                     <a:bodyPr/>
                     <a:lstStyle/>
                     <a:p>
-                      <a:pPr lvl="0" marL="0" indent="0">
+                      <a:pPr lvl="0" indent="0" marL="0">
                         <a:buNone/>
                       </a:pPr>
                       <a:r>
@@ -6788,7 +6788,7 @@
                     <a:bodyPr/>
                     <a:lstStyle/>
                     <a:p>
-                      <a:pPr lvl="0" marL="0" indent="0">
+                      <a:pPr lvl="0" indent="0" marL="0">
                         <a:buNone/>
                       </a:pPr>
                       <a:r>
@@ -7168,7 +7168,7 @@
           <a:bodyPr/>
           <a:lstStyle/>
           <a:p>
-            <a:pPr lvl="0" marL="0" indent="0">
+            <a:pPr lvl="0" indent="0" marL="0">
               <a:buNone/>
             </a:pPr>
             <a:r>

--- a/test/pptx/incremental-lists/with-flag/output.pptx
+++ b/test/pptx/incremental-lists/with-flag/output.pptx
@@ -3142,23 +3142,7 @@
             </a:pPr>
             <a:r>
               <a:rPr/>
-              <a:t>Slide</a:t>
-            </a:r>
-            <a:r>
-              <a:rPr/>
-              <a:t> </a:t>
-            </a:r>
-            <a:r>
-              <a:rPr/>
-              <a:t>1</a:t>
-            </a:r>
-            <a:r>
-              <a:rPr/>
-              <a:t> </a:t>
-            </a:r>
-            <a:r>
-              <a:rPr/>
-              <a:t>(Content)</a:t>
+              <a:t>Slide 1 (Content)</a:t>
             </a:r>
           </a:p>
         </p:txBody>
@@ -3534,23 +3518,7 @@
             </a:pPr>
             <a:r>
               <a:rPr/>
-              <a:t>Slide</a:t>
-            </a:r>
-            <a:r>
-              <a:rPr/>
-              <a:t> </a:t>
-            </a:r>
-            <a:r>
-              <a:rPr/>
-              <a:t>10</a:t>
-            </a:r>
-            <a:r>
-              <a:rPr/>
-              <a:t> </a:t>
-            </a:r>
-            <a:r>
-              <a:rPr/>
-              <a:t>(Content)</a:t>
+              <a:t>Slide 10 (Content)</a:t>
             </a:r>
           </a:p>
         </p:txBody>
@@ -3870,23 +3838,7 @@
             </a:pPr>
             <a:r>
               <a:rPr/>
-              <a:t>Slide</a:t>
-            </a:r>
-            <a:r>
-              <a:rPr/>
-              <a:t> </a:t>
-            </a:r>
-            <a:r>
-              <a:rPr/>
-              <a:t>11</a:t>
-            </a:r>
-            <a:r>
-              <a:rPr/>
-              <a:t> </a:t>
-            </a:r>
-            <a:r>
-              <a:rPr/>
-              <a:t>(Content)</a:t>
+              <a:t>Slide 11 (Content)</a:t>
             </a:r>
           </a:p>
         </p:txBody>
@@ -4219,23 +4171,7 @@
             </a:pPr>
             <a:r>
               <a:rPr/>
-              <a:t>Slide</a:t>
-            </a:r>
-            <a:r>
-              <a:rPr/>
-              <a:t> </a:t>
-            </a:r>
-            <a:r>
-              <a:rPr/>
-              <a:t>12</a:t>
-            </a:r>
-            <a:r>
-              <a:rPr/>
-              <a:t> </a:t>
-            </a:r>
-            <a:r>
-              <a:rPr/>
-              <a:t>(Content)</a:t>
+              <a:t>Slide 12 (Content)</a:t>
             </a:r>
           </a:p>
         </p:txBody>
@@ -4520,23 +4456,7 @@
             </a:pPr>
             <a:r>
               <a:rPr/>
-              <a:t>Slide</a:t>
-            </a:r>
-            <a:r>
-              <a:rPr/>
-              <a:t> </a:t>
-            </a:r>
-            <a:r>
-              <a:rPr/>
-              <a:t>2</a:t>
-            </a:r>
-            <a:r>
-              <a:rPr/>
-              <a:t> </a:t>
-            </a:r>
-            <a:r>
-              <a:rPr/>
-              <a:t>(Content)</a:t>
+              <a:t>Slide 2 (Content)</a:t>
             </a:r>
           </a:p>
         </p:txBody>
@@ -4800,23 +4720,7 @@
             </a:pPr>
             <a:r>
               <a:rPr/>
-              <a:t>Slide</a:t>
-            </a:r>
-            <a:r>
-              <a:rPr/>
-              <a:t> </a:t>
-            </a:r>
-            <a:r>
-              <a:rPr/>
-              <a:t>3</a:t>
-            </a:r>
-            <a:r>
-              <a:rPr/>
-              <a:t> </a:t>
-            </a:r>
-            <a:r>
-              <a:rPr/>
-              <a:t>(Content)</a:t>
+              <a:t>Slide 3 (Content)</a:t>
             </a:r>
           </a:p>
         </p:txBody>
@@ -5089,23 +4993,7 @@
             </a:pPr>
             <a:r>
               <a:rPr/>
-              <a:t>Slide</a:t>
-            </a:r>
-            <a:r>
-              <a:rPr/>
-              <a:t> </a:t>
-            </a:r>
-            <a:r>
-              <a:rPr/>
-              <a:t>4</a:t>
-            </a:r>
-            <a:r>
-              <a:rPr/>
-              <a:t> </a:t>
-            </a:r>
-            <a:r>
-              <a:rPr/>
-              <a:t>(Content)</a:t>
+              <a:t>Slide 4 (Content)</a:t>
             </a:r>
           </a:p>
         </p:txBody>
@@ -5552,31 +5440,7 @@
             </a:pPr>
             <a:r>
               <a:rPr/>
-              <a:t>Slide</a:t>
-            </a:r>
-            <a:r>
-              <a:rPr/>
-              <a:t> </a:t>
-            </a:r>
-            <a:r>
-              <a:rPr/>
-              <a:t>5</a:t>
-            </a:r>
-            <a:r>
-              <a:rPr/>
-              <a:t> </a:t>
-            </a:r>
-            <a:r>
-              <a:rPr/>
-              <a:t>(Two</a:t>
-            </a:r>
-            <a:r>
-              <a:rPr/>
-              <a:t> </a:t>
-            </a:r>
-            <a:r>
-              <a:rPr/>
-              <a:t>Content)</a:t>
+              <a:t>Slide 5 (Two Content)</a:t>
             </a:r>
           </a:p>
         </p:txBody>
@@ -6061,39 +5925,7 @@
             </a:pPr>
             <a:r>
               <a:rPr/>
-              <a:t>Slide</a:t>
-            </a:r>
-            <a:r>
-              <a:rPr/>
-              <a:t> </a:t>
-            </a:r>
-            <a:r>
-              <a:rPr/>
-              <a:t>6</a:t>
-            </a:r>
-            <a:r>
-              <a:rPr/>
-              <a:t> </a:t>
-            </a:r>
-            <a:r>
-              <a:rPr/>
-              <a:t>(Two</a:t>
-            </a:r>
-            <a:r>
-              <a:rPr/>
-              <a:t> </a:t>
-            </a:r>
-            <a:r>
-              <a:rPr/>
-              <a:t>Content</a:t>
-            </a:r>
-            <a:r>
-              <a:rPr/>
-              <a:t> </a:t>
-            </a:r>
-            <a:r>
-              <a:rPr/>
-              <a:t>Right)</a:t>
+              <a:t>Slide 6 (Two Content Right)</a:t>
             </a:r>
           </a:p>
         </p:txBody>
@@ -6153,15 +5985,7 @@
             </a:pPr>
             <a:r>
               <a:rPr/>
-              <a:t>an</a:t>
-            </a:r>
-            <a:r>
-              <a:rPr/>
-              <a:t> </a:t>
-            </a:r>
-            <a:r>
-              <a:rPr/>
-              <a:t>image</a:t>
+              <a:t>an image</a:t>
             </a:r>
           </a:p>
         </p:txBody>
@@ -6430,39 +6254,7 @@
             </a:pPr>
             <a:r>
               <a:rPr/>
-              <a:t>Slide</a:t>
-            </a:r>
-            <a:r>
-              <a:rPr/>
-              <a:t> </a:t>
-            </a:r>
-            <a:r>
-              <a:rPr/>
-              <a:t>7</a:t>
-            </a:r>
-            <a:r>
-              <a:rPr/>
-              <a:t> </a:t>
-            </a:r>
-            <a:r>
-              <a:rPr/>
-              <a:t>(Content</a:t>
-            </a:r>
-            <a:r>
-              <a:rPr/>
-              <a:t> </a:t>
-            </a:r>
-            <a:r>
-              <a:rPr/>
-              <a:t>with</a:t>
-            </a:r>
-            <a:r>
-              <a:rPr/>
-              <a:t> </a:t>
-            </a:r>
-            <a:r>
-              <a:rPr/>
-              <a:t>Caption)</a:t>
+              <a:t>Slide 7 (Content with Caption)</a:t>
             </a:r>
           </a:p>
         </p:txBody>
@@ -6577,15 +6369,7 @@
             </a:pPr>
             <a:r>
               <a:rPr/>
-              <a:t>An</a:t>
-            </a:r>
-            <a:r>
-              <a:rPr/>
-              <a:t> </a:t>
-            </a:r>
-            <a:r>
-              <a:rPr/>
-              <a:t>image</a:t>
+              <a:t>An image</a:t>
             </a:r>
           </a:p>
         </p:txBody>
@@ -6812,23 +6596,7 @@
             </a:pPr>
             <a:r>
               <a:rPr/>
-              <a:t>Slide</a:t>
-            </a:r>
-            <a:r>
-              <a:rPr/>
-              <a:t> </a:t>
-            </a:r>
-            <a:r>
-              <a:rPr/>
-              <a:t>8</a:t>
-            </a:r>
-            <a:r>
-              <a:rPr/>
-              <a:t> </a:t>
-            </a:r>
-            <a:r>
-              <a:rPr/>
-              <a:t>(Comparison)</a:t>
+              <a:t>Slide 8 (Comparison)</a:t>
             </a:r>
           </a:p>
         </p:txBody>
@@ -6925,15 +6693,7 @@
             </a:pPr>
             <a:r>
               <a:rPr/>
-              <a:t>An</a:t>
-            </a:r>
-            <a:r>
-              <a:rPr/>
-              <a:t> </a:t>
-            </a:r>
-            <a:r>
-              <a:rPr/>
-              <a:t>image</a:t>
+              <a:t>An image</a:t>
             </a:r>
           </a:p>
         </p:txBody>
@@ -7413,23 +7173,7 @@
             </a:pPr>
             <a:r>
               <a:rPr/>
-              <a:t>Slide</a:t>
-            </a:r>
-            <a:r>
-              <a:rPr/>
-              <a:t> </a:t>
-            </a:r>
-            <a:r>
-              <a:rPr/>
-              <a:t>9</a:t>
-            </a:r>
-            <a:r>
-              <a:rPr/>
-              <a:t> </a:t>
-            </a:r>
-            <a:r>
-              <a:rPr/>
-              <a:t>(Content)</a:t>
+              <a:t>Slide 9 (Content)</a:t>
             </a:r>
           </a:p>
         </p:txBody>

--- a/test/pptx/incremental-lists/with-flag/output.pptx
+++ b/test/pptx/incremental-lists/with-flag/output.pptx
@@ -3142,19 +3142,11 @@
             </a:pPr>
             <a:r>
               <a:rPr/>
-              <a:t>Slide</a:t>
-            </a:r>
-            <a:r>
-              <a:rPr/>
-              <a:t> </a:t>
-            </a:r>
-            <a:r>
-              <a:rPr/>
-              <a:t>1</a:t>
-            </a:r>
-            <a:r>
-              <a:rPr/>
-              <a:t> </a:t>
+              <a:t>Slide </a:t>
+            </a:r>
+            <a:r>
+              <a:rPr/>
+              <a:t>1 </a:t>
             </a:r>
             <a:r>
               <a:rPr/>
@@ -3534,19 +3526,11 @@
             </a:pPr>
             <a:r>
               <a:rPr/>
-              <a:t>Slide</a:t>
-            </a:r>
-            <a:r>
-              <a:rPr/>
-              <a:t> </a:t>
-            </a:r>
-            <a:r>
-              <a:rPr/>
-              <a:t>10</a:t>
-            </a:r>
-            <a:r>
-              <a:rPr/>
-              <a:t> </a:t>
+              <a:t>Slide </a:t>
+            </a:r>
+            <a:r>
+              <a:rPr/>
+              <a:t>10 </a:t>
             </a:r>
             <a:r>
               <a:rPr/>
@@ -3870,19 +3854,11 @@
             </a:pPr>
             <a:r>
               <a:rPr/>
-              <a:t>Slide</a:t>
-            </a:r>
-            <a:r>
-              <a:rPr/>
-              <a:t> </a:t>
-            </a:r>
-            <a:r>
-              <a:rPr/>
-              <a:t>11</a:t>
-            </a:r>
-            <a:r>
-              <a:rPr/>
-              <a:t> </a:t>
+              <a:t>Slide </a:t>
+            </a:r>
+            <a:r>
+              <a:rPr/>
+              <a:t>11 </a:t>
             </a:r>
             <a:r>
               <a:rPr/>
@@ -4219,19 +4195,11 @@
             </a:pPr>
             <a:r>
               <a:rPr/>
-              <a:t>Slide</a:t>
-            </a:r>
-            <a:r>
-              <a:rPr/>
-              <a:t> </a:t>
-            </a:r>
-            <a:r>
-              <a:rPr/>
-              <a:t>12</a:t>
-            </a:r>
-            <a:r>
-              <a:rPr/>
-              <a:t> </a:t>
+              <a:t>Slide </a:t>
+            </a:r>
+            <a:r>
+              <a:rPr/>
+              <a:t>12 </a:t>
             </a:r>
             <a:r>
               <a:rPr/>
@@ -4520,19 +4488,11 @@
             </a:pPr>
             <a:r>
               <a:rPr/>
-              <a:t>Slide</a:t>
-            </a:r>
-            <a:r>
-              <a:rPr/>
-              <a:t> </a:t>
-            </a:r>
-            <a:r>
-              <a:rPr/>
-              <a:t>2</a:t>
-            </a:r>
-            <a:r>
-              <a:rPr/>
-              <a:t> </a:t>
+              <a:t>Slide </a:t>
+            </a:r>
+            <a:r>
+              <a:rPr/>
+              <a:t>2 </a:t>
             </a:r>
             <a:r>
               <a:rPr/>
@@ -4800,19 +4760,11 @@
             </a:pPr>
             <a:r>
               <a:rPr/>
-              <a:t>Slide</a:t>
-            </a:r>
-            <a:r>
-              <a:rPr/>
-              <a:t> </a:t>
-            </a:r>
-            <a:r>
-              <a:rPr/>
-              <a:t>3</a:t>
-            </a:r>
-            <a:r>
-              <a:rPr/>
-              <a:t> </a:t>
+              <a:t>Slide </a:t>
+            </a:r>
+            <a:r>
+              <a:rPr/>
+              <a:t>3 </a:t>
             </a:r>
             <a:r>
               <a:rPr/>
@@ -5089,19 +5041,11 @@
             </a:pPr>
             <a:r>
               <a:rPr/>
-              <a:t>Slide</a:t>
-            </a:r>
-            <a:r>
-              <a:rPr/>
-              <a:t> </a:t>
-            </a:r>
-            <a:r>
-              <a:rPr/>
-              <a:t>4</a:t>
-            </a:r>
-            <a:r>
-              <a:rPr/>
-              <a:t> </a:t>
+              <a:t>Slide </a:t>
+            </a:r>
+            <a:r>
+              <a:rPr/>
+              <a:t>4 </a:t>
             </a:r>
             <a:r>
               <a:rPr/>
@@ -5552,27 +5496,15 @@
             </a:pPr>
             <a:r>
               <a:rPr/>
-              <a:t>Slide</a:t>
-            </a:r>
-            <a:r>
-              <a:rPr/>
-              <a:t> </a:t>
-            </a:r>
-            <a:r>
-              <a:rPr/>
-              <a:t>5</a:t>
-            </a:r>
-            <a:r>
-              <a:rPr/>
-              <a:t> </a:t>
-            </a:r>
-            <a:r>
-              <a:rPr/>
-              <a:t>(Two</a:t>
-            </a:r>
-            <a:r>
-              <a:rPr/>
-              <a:t> </a:t>
+              <a:t>Slide </a:t>
+            </a:r>
+            <a:r>
+              <a:rPr/>
+              <a:t>5 </a:t>
+            </a:r>
+            <a:r>
+              <a:rPr/>
+              <a:t>(Two </a:t>
             </a:r>
             <a:r>
               <a:rPr/>
@@ -6061,35 +5993,19 @@
             </a:pPr>
             <a:r>
               <a:rPr/>
-              <a:t>Slide</a:t>
-            </a:r>
-            <a:r>
-              <a:rPr/>
-              <a:t> </a:t>
-            </a:r>
-            <a:r>
-              <a:rPr/>
-              <a:t>6</a:t>
-            </a:r>
-            <a:r>
-              <a:rPr/>
-              <a:t> </a:t>
-            </a:r>
-            <a:r>
-              <a:rPr/>
-              <a:t>(Two</a:t>
-            </a:r>
-            <a:r>
-              <a:rPr/>
-              <a:t> </a:t>
-            </a:r>
-            <a:r>
-              <a:rPr/>
-              <a:t>Content</a:t>
-            </a:r>
-            <a:r>
-              <a:rPr/>
-              <a:t> </a:t>
+              <a:t>Slide </a:t>
+            </a:r>
+            <a:r>
+              <a:rPr/>
+              <a:t>6 </a:t>
+            </a:r>
+            <a:r>
+              <a:rPr/>
+              <a:t>(Two </a:t>
+            </a:r>
+            <a:r>
+              <a:rPr/>
+              <a:t>Content </a:t>
             </a:r>
             <a:r>
               <a:rPr/>
@@ -6153,11 +6069,7 @@
             </a:pPr>
             <a:r>
               <a:rPr/>
-              <a:t>an</a:t>
-            </a:r>
-            <a:r>
-              <a:rPr/>
-              <a:t> </a:t>
+              <a:t>an </a:t>
             </a:r>
             <a:r>
               <a:rPr/>
@@ -6430,35 +6342,19 @@
             </a:pPr>
             <a:r>
               <a:rPr/>
-              <a:t>Slide</a:t>
-            </a:r>
-            <a:r>
-              <a:rPr/>
-              <a:t> </a:t>
-            </a:r>
-            <a:r>
-              <a:rPr/>
-              <a:t>7</a:t>
-            </a:r>
-            <a:r>
-              <a:rPr/>
-              <a:t> </a:t>
-            </a:r>
-            <a:r>
-              <a:rPr/>
-              <a:t>(Content</a:t>
-            </a:r>
-            <a:r>
-              <a:rPr/>
-              <a:t> </a:t>
-            </a:r>
-            <a:r>
-              <a:rPr/>
-              <a:t>with</a:t>
-            </a:r>
-            <a:r>
-              <a:rPr/>
-              <a:t> </a:t>
+              <a:t>Slide </a:t>
+            </a:r>
+            <a:r>
+              <a:rPr/>
+              <a:t>7 </a:t>
+            </a:r>
+            <a:r>
+              <a:rPr/>
+              <a:t>(Content </a:t>
+            </a:r>
+            <a:r>
+              <a:rPr/>
+              <a:t>with </a:t>
             </a:r>
             <a:r>
               <a:rPr/>
@@ -6577,11 +6473,7 @@
             </a:pPr>
             <a:r>
               <a:rPr/>
-              <a:t>An</a:t>
-            </a:r>
-            <a:r>
-              <a:rPr/>
-              <a:t> </a:t>
+              <a:t>An </a:t>
             </a:r>
             <a:r>
               <a:rPr/>
@@ -6812,19 +6704,11 @@
             </a:pPr>
             <a:r>
               <a:rPr/>
-              <a:t>Slide</a:t>
-            </a:r>
-            <a:r>
-              <a:rPr/>
-              <a:t> </a:t>
-            </a:r>
-            <a:r>
-              <a:rPr/>
-              <a:t>8</a:t>
-            </a:r>
-            <a:r>
-              <a:rPr/>
-              <a:t> </a:t>
+              <a:t>Slide </a:t>
+            </a:r>
+            <a:r>
+              <a:rPr/>
+              <a:t>8 </a:t>
             </a:r>
             <a:r>
               <a:rPr/>
@@ -6925,11 +6809,7 @@
             </a:pPr>
             <a:r>
               <a:rPr/>
-              <a:t>An</a:t>
-            </a:r>
-            <a:r>
-              <a:rPr/>
-              <a:t> </a:t>
+              <a:t>An </a:t>
             </a:r>
             <a:r>
               <a:rPr/>
@@ -7413,19 +7293,11 @@
             </a:pPr>
             <a:r>
               <a:rPr/>
-              <a:t>Slide</a:t>
-            </a:r>
-            <a:r>
-              <a:rPr/>
-              <a:t> </a:t>
-            </a:r>
-            <a:r>
-              <a:rPr/>
-              <a:t>9</a:t>
-            </a:r>
-            <a:r>
-              <a:rPr/>
-              <a:t> </a:t>
+              <a:t>Slide </a:t>
+            </a:r>
+            <a:r>
+              <a:rPr/>
+              <a:t>9 </a:t>
             </a:r>
             <a:r>
               <a:rPr/>

--- a/test/pptx/incremental-lists/with-flag/output.pptx
+++ b/test/pptx/incremental-lists/with-flag/output.pptx
@@ -3142,11 +3142,19 @@
             </a:pPr>
             <a:r>
               <a:rPr/>
-              <a:t>Slide </a:t>
-            </a:r>
-            <a:r>
-              <a:rPr/>
-              <a:t>1 </a:t>
+              <a:t>Slide</a:t>
+            </a:r>
+            <a:r>
+              <a:rPr/>
+              <a:t> </a:t>
+            </a:r>
+            <a:r>
+              <a:rPr/>
+              <a:t>1</a:t>
+            </a:r>
+            <a:r>
+              <a:rPr/>
+              <a:t> </a:t>
             </a:r>
             <a:r>
               <a:rPr/>
@@ -3526,11 +3534,19 @@
             </a:pPr>
             <a:r>
               <a:rPr/>
-              <a:t>Slide </a:t>
-            </a:r>
-            <a:r>
-              <a:rPr/>
-              <a:t>10 </a:t>
+              <a:t>Slide</a:t>
+            </a:r>
+            <a:r>
+              <a:rPr/>
+              <a:t> </a:t>
+            </a:r>
+            <a:r>
+              <a:rPr/>
+              <a:t>10</a:t>
+            </a:r>
+            <a:r>
+              <a:rPr/>
+              <a:t> </a:t>
             </a:r>
             <a:r>
               <a:rPr/>
@@ -3854,11 +3870,19 @@
             </a:pPr>
             <a:r>
               <a:rPr/>
-              <a:t>Slide </a:t>
-            </a:r>
-            <a:r>
-              <a:rPr/>
-              <a:t>11 </a:t>
+              <a:t>Slide</a:t>
+            </a:r>
+            <a:r>
+              <a:rPr/>
+              <a:t> </a:t>
+            </a:r>
+            <a:r>
+              <a:rPr/>
+              <a:t>11</a:t>
+            </a:r>
+            <a:r>
+              <a:rPr/>
+              <a:t> </a:t>
             </a:r>
             <a:r>
               <a:rPr/>
@@ -4195,11 +4219,19 @@
             </a:pPr>
             <a:r>
               <a:rPr/>
-              <a:t>Slide </a:t>
-            </a:r>
-            <a:r>
-              <a:rPr/>
-              <a:t>12 </a:t>
+              <a:t>Slide</a:t>
+            </a:r>
+            <a:r>
+              <a:rPr/>
+              <a:t> </a:t>
+            </a:r>
+            <a:r>
+              <a:rPr/>
+              <a:t>12</a:t>
+            </a:r>
+            <a:r>
+              <a:rPr/>
+              <a:t> </a:t>
             </a:r>
             <a:r>
               <a:rPr/>
@@ -4488,11 +4520,19 @@
             </a:pPr>
             <a:r>
               <a:rPr/>
-              <a:t>Slide </a:t>
-            </a:r>
-            <a:r>
-              <a:rPr/>
-              <a:t>2 </a:t>
+              <a:t>Slide</a:t>
+            </a:r>
+            <a:r>
+              <a:rPr/>
+              <a:t> </a:t>
+            </a:r>
+            <a:r>
+              <a:rPr/>
+              <a:t>2</a:t>
+            </a:r>
+            <a:r>
+              <a:rPr/>
+              <a:t> </a:t>
             </a:r>
             <a:r>
               <a:rPr/>
@@ -4760,11 +4800,19 @@
             </a:pPr>
             <a:r>
               <a:rPr/>
-              <a:t>Slide </a:t>
-            </a:r>
-            <a:r>
-              <a:rPr/>
-              <a:t>3 </a:t>
+              <a:t>Slide</a:t>
+            </a:r>
+            <a:r>
+              <a:rPr/>
+              <a:t> </a:t>
+            </a:r>
+            <a:r>
+              <a:rPr/>
+              <a:t>3</a:t>
+            </a:r>
+            <a:r>
+              <a:rPr/>
+              <a:t> </a:t>
             </a:r>
             <a:r>
               <a:rPr/>
@@ -5041,11 +5089,19 @@
             </a:pPr>
             <a:r>
               <a:rPr/>
-              <a:t>Slide </a:t>
-            </a:r>
-            <a:r>
-              <a:rPr/>
-              <a:t>4 </a:t>
+              <a:t>Slide</a:t>
+            </a:r>
+            <a:r>
+              <a:rPr/>
+              <a:t> </a:t>
+            </a:r>
+            <a:r>
+              <a:rPr/>
+              <a:t>4</a:t>
+            </a:r>
+            <a:r>
+              <a:rPr/>
+              <a:t> </a:t>
             </a:r>
             <a:r>
               <a:rPr/>
@@ -5496,15 +5552,27 @@
             </a:pPr>
             <a:r>
               <a:rPr/>
-              <a:t>Slide </a:t>
-            </a:r>
-            <a:r>
-              <a:rPr/>
-              <a:t>5 </a:t>
-            </a:r>
-            <a:r>
-              <a:rPr/>
-              <a:t>(Two </a:t>
+              <a:t>Slide</a:t>
+            </a:r>
+            <a:r>
+              <a:rPr/>
+              <a:t> </a:t>
+            </a:r>
+            <a:r>
+              <a:rPr/>
+              <a:t>5</a:t>
+            </a:r>
+            <a:r>
+              <a:rPr/>
+              <a:t> </a:t>
+            </a:r>
+            <a:r>
+              <a:rPr/>
+              <a:t>(Two</a:t>
+            </a:r>
+            <a:r>
+              <a:rPr/>
+              <a:t> </a:t>
             </a:r>
             <a:r>
               <a:rPr/>
@@ -5993,19 +6061,35 @@
             </a:pPr>
             <a:r>
               <a:rPr/>
-              <a:t>Slide </a:t>
-            </a:r>
-            <a:r>
-              <a:rPr/>
-              <a:t>6 </a:t>
-            </a:r>
-            <a:r>
-              <a:rPr/>
-              <a:t>(Two </a:t>
-            </a:r>
-            <a:r>
-              <a:rPr/>
-              <a:t>Content </a:t>
+              <a:t>Slide</a:t>
+            </a:r>
+            <a:r>
+              <a:rPr/>
+              <a:t> </a:t>
+            </a:r>
+            <a:r>
+              <a:rPr/>
+              <a:t>6</a:t>
+            </a:r>
+            <a:r>
+              <a:rPr/>
+              <a:t> </a:t>
+            </a:r>
+            <a:r>
+              <a:rPr/>
+              <a:t>(Two</a:t>
+            </a:r>
+            <a:r>
+              <a:rPr/>
+              <a:t> </a:t>
+            </a:r>
+            <a:r>
+              <a:rPr/>
+              <a:t>Content</a:t>
+            </a:r>
+            <a:r>
+              <a:rPr/>
+              <a:t> </a:t>
             </a:r>
             <a:r>
               <a:rPr/>
@@ -6069,7 +6153,11 @@
             </a:pPr>
             <a:r>
               <a:rPr/>
-              <a:t>an </a:t>
+              <a:t>an</a:t>
+            </a:r>
+            <a:r>
+              <a:rPr/>
+              <a:t> </a:t>
             </a:r>
             <a:r>
               <a:rPr/>
@@ -6342,19 +6430,35 @@
             </a:pPr>
             <a:r>
               <a:rPr/>
-              <a:t>Slide </a:t>
-            </a:r>
-            <a:r>
-              <a:rPr/>
-              <a:t>7 </a:t>
-            </a:r>
-            <a:r>
-              <a:rPr/>
-              <a:t>(Content </a:t>
-            </a:r>
-            <a:r>
-              <a:rPr/>
-              <a:t>with </a:t>
+              <a:t>Slide</a:t>
+            </a:r>
+            <a:r>
+              <a:rPr/>
+              <a:t> </a:t>
+            </a:r>
+            <a:r>
+              <a:rPr/>
+              <a:t>7</a:t>
+            </a:r>
+            <a:r>
+              <a:rPr/>
+              <a:t> </a:t>
+            </a:r>
+            <a:r>
+              <a:rPr/>
+              <a:t>(Content</a:t>
+            </a:r>
+            <a:r>
+              <a:rPr/>
+              <a:t> </a:t>
+            </a:r>
+            <a:r>
+              <a:rPr/>
+              <a:t>with</a:t>
+            </a:r>
+            <a:r>
+              <a:rPr/>
+              <a:t> </a:t>
             </a:r>
             <a:r>
               <a:rPr/>
@@ -6473,7 +6577,11 @@
             </a:pPr>
             <a:r>
               <a:rPr/>
-              <a:t>An </a:t>
+              <a:t>An</a:t>
+            </a:r>
+            <a:r>
+              <a:rPr/>
+              <a:t> </a:t>
             </a:r>
             <a:r>
               <a:rPr/>
@@ -6704,11 +6812,19 @@
             </a:pPr>
             <a:r>
               <a:rPr/>
-              <a:t>Slide </a:t>
-            </a:r>
-            <a:r>
-              <a:rPr/>
-              <a:t>8 </a:t>
+              <a:t>Slide</a:t>
+            </a:r>
+            <a:r>
+              <a:rPr/>
+              <a:t> </a:t>
+            </a:r>
+            <a:r>
+              <a:rPr/>
+              <a:t>8</a:t>
+            </a:r>
+            <a:r>
+              <a:rPr/>
+              <a:t> </a:t>
             </a:r>
             <a:r>
               <a:rPr/>
@@ -6809,7 +6925,11 @@
             </a:pPr>
             <a:r>
               <a:rPr/>
-              <a:t>An </a:t>
+              <a:t>An</a:t>
+            </a:r>
+            <a:r>
+              <a:rPr/>
+              <a:t> </a:t>
             </a:r>
             <a:r>
               <a:rPr/>
@@ -7293,11 +7413,19 @@
             </a:pPr>
             <a:r>
               <a:rPr/>
-              <a:t>Slide </a:t>
-            </a:r>
-            <a:r>
-              <a:rPr/>
-              <a:t>9 </a:t>
+              <a:t>Slide</a:t>
+            </a:r>
+            <a:r>
+              <a:rPr/>
+              <a:t> </a:t>
+            </a:r>
+            <a:r>
+              <a:rPr/>
+              <a:t>9</a:t>
+            </a:r>
+            <a:r>
+              <a:rPr/>
+              <a:t> </a:t>
             </a:r>
             <a:r>
               <a:rPr/>

--- a/test/pptx/incremental-lists/with-flag/output.pptx
+++ b/test/pptx/incremental-lists/with-flag/output.pptx
@@ -18,7 +18,7 @@
     <p:sldId id="266" r:id="rId12"/>
     <p:sldId id="267" r:id="rId13"/>
   </p:sldIdLst>
-  <p:sldSz cx="9144000" cy="6858000" type="screen4x3"/>
+  <p:sldSz cx="9144000" cy="5143500" type="screen16x9"/>
   <p:notesSz cx="6858000" cy="9144000"/>
   <p:defaultTextStyle>
     <a:defPPr>
@@ -118,12 +118,12 @@
   <p:extLst>
     <p:ext uri="{EFAFB233-063F-42B5-8137-9DF3F51BA10A}">
       <p15:sldGuideLst xmlns:p15="http://schemas.microsoft.com/office/powerpoint/2012/main">
-        <p15:guide id="1" orient="horz" pos="2160">
+        <p15:guide id="1" orient="horz" pos="1620" userDrawn="1">
           <p15:clr>
             <a:srgbClr val="A4A3A4"/>
           </p15:clr>
         </p15:guide>
-        <p15:guide id="2" pos="2880">
+        <p15:guide id="2" pos="2880" userDrawn="1">
           <p15:clr>
             <a:srgbClr val="A4A3A4"/>
           </p15:clr>
@@ -163,8 +163,8 @@
         </p:nvSpPr>
         <p:spPr>
           <a:xfrm>
-            <a:off x="685800" y="2130425"/>
-            <a:ext cx="7772400" cy="1470025"/>
+            <a:off x="685800" y="1597819"/>
+            <a:ext cx="7772400" cy="1102519"/>
           </a:xfrm>
         </p:spPr>
         <p:txBody>
@@ -172,10 +172,9 @@
           <a:lstStyle/>
           <a:p>
             <a:r>
-              <a:rPr lang="en-US" smtClean="0"/>
+              <a:rPr lang="en-US"/>
               <a:t>Click to edit Master title style</a:t>
             </a:r>
-            <a:endParaRPr lang="en-US"/>
           </a:p>
         </p:txBody>
       </p:sp>
@@ -191,8 +190,8 @@
         </p:nvSpPr>
         <p:spPr>
           <a:xfrm>
-            <a:off x="1371600" y="3886200"/>
-            <a:ext cx="6400800" cy="1752600"/>
+            <a:off x="1371600" y="2914650"/>
+            <a:ext cx="6400800" cy="1314450"/>
           </a:xfrm>
         </p:spPr>
         <p:txBody>
@@ -208,7 +207,7 @@
                 </a:solidFill>
               </a:defRPr>
             </a:lvl1pPr>
-            <a:lvl2pPr marL="457200" indent="0" algn="ctr">
+            <a:lvl2pPr marL="342900" indent="0" algn="ctr">
               <a:buNone/>
               <a:defRPr>
                 <a:solidFill>
@@ -218,7 +217,7 @@
                 </a:solidFill>
               </a:defRPr>
             </a:lvl2pPr>
-            <a:lvl3pPr marL="914400" indent="0" algn="ctr">
+            <a:lvl3pPr marL="685800" indent="0" algn="ctr">
               <a:buNone/>
               <a:defRPr>
                 <a:solidFill>
@@ -228,7 +227,7 @@
                 </a:solidFill>
               </a:defRPr>
             </a:lvl3pPr>
-            <a:lvl4pPr marL="1371600" indent="0" algn="ctr">
+            <a:lvl4pPr marL="1028700" indent="0" algn="ctr">
               <a:buNone/>
               <a:defRPr>
                 <a:solidFill>
@@ -238,7 +237,7 @@
                 </a:solidFill>
               </a:defRPr>
             </a:lvl4pPr>
-            <a:lvl5pPr marL="1828800" indent="0" algn="ctr">
+            <a:lvl5pPr marL="1371600" indent="0" algn="ctr">
               <a:buNone/>
               <a:defRPr>
                 <a:solidFill>
@@ -248,7 +247,7 @@
                 </a:solidFill>
               </a:defRPr>
             </a:lvl5pPr>
-            <a:lvl6pPr marL="2286000" indent="0" algn="ctr">
+            <a:lvl6pPr marL="1714500" indent="0" algn="ctr">
               <a:buNone/>
               <a:defRPr>
                 <a:solidFill>
@@ -258,7 +257,7 @@
                 </a:solidFill>
               </a:defRPr>
             </a:lvl6pPr>
-            <a:lvl7pPr marL="2743200" indent="0" algn="ctr">
+            <a:lvl7pPr marL="2057400" indent="0" algn="ctr">
               <a:buNone/>
               <a:defRPr>
                 <a:solidFill>
@@ -268,7 +267,7 @@
                 </a:solidFill>
               </a:defRPr>
             </a:lvl7pPr>
-            <a:lvl8pPr marL="3200400" indent="0" algn="ctr">
+            <a:lvl8pPr marL="2400300" indent="0" algn="ctr">
               <a:buNone/>
               <a:defRPr>
                 <a:solidFill>
@@ -278,7 +277,7 @@
                 </a:solidFill>
               </a:defRPr>
             </a:lvl8pPr>
-            <a:lvl9pPr marL="3657600" indent="0" algn="ctr">
+            <a:lvl9pPr marL="2743200" indent="0" algn="ctr">
               <a:buNone/>
               <a:defRPr>
                 <a:solidFill>
@@ -291,10 +290,9 @@
           </a:lstStyle>
           <a:p>
             <a:r>
-              <a:rPr lang="en-US" smtClean="0"/>
+              <a:rPr lang="en-US"/>
               <a:t>Click to edit Master subtitle style</a:t>
             </a:r>
-            <a:endParaRPr lang="en-US"/>
           </a:p>
         </p:txBody>
       </p:sp>
@@ -315,7 +313,7 @@
           <a:p>
             <a:fld id="{241EB5C9-1307-BA42-ABA2-0BC069CD8E7F}" type="datetimeFigureOut">
               <a:rPr lang="en-US" smtClean="0"/>
-              <a:t>4/5/2019</a:t>
+              <a:t>1/2/22</a:t>
             </a:fld>
             <a:endParaRPr lang="en-US"/>
           </a:p>
@@ -409,10 +407,9 @@
           <a:lstStyle/>
           <a:p>
             <a:r>
-              <a:rPr lang="en-US" smtClean="0"/>
+              <a:rPr lang="en-US"/>
               <a:t>Click to edit Master title style</a:t>
             </a:r>
-            <a:endParaRPr lang="en-US"/>
           </a:p>
         </p:txBody>
       </p:sp>
@@ -433,38 +430,37 @@
           <a:p>
             <a:pPr lvl="0"/>
             <a:r>
-              <a:rPr lang="en-US" smtClean="0"/>
+              <a:rPr lang="en-US"/>
               <a:t>Click to edit Master text styles</a:t>
             </a:r>
           </a:p>
           <a:p>
             <a:pPr lvl="1"/>
             <a:r>
-              <a:rPr lang="en-US" smtClean="0"/>
+              <a:rPr lang="en-US"/>
               <a:t>Second level</a:t>
             </a:r>
           </a:p>
           <a:p>
             <a:pPr lvl="2"/>
             <a:r>
-              <a:rPr lang="en-US" smtClean="0"/>
+              <a:rPr lang="en-US"/>
               <a:t>Third level</a:t>
             </a:r>
           </a:p>
           <a:p>
             <a:pPr lvl="3"/>
             <a:r>
-              <a:rPr lang="en-US" smtClean="0"/>
+              <a:rPr lang="en-US"/>
               <a:t>Fourth level</a:t>
             </a:r>
           </a:p>
           <a:p>
             <a:pPr lvl="4"/>
             <a:r>
-              <a:rPr lang="en-US" smtClean="0"/>
+              <a:rPr lang="en-US"/>
               <a:t>Fifth level</a:t>
             </a:r>
-            <a:endParaRPr lang="en-US"/>
           </a:p>
         </p:txBody>
       </p:sp>
@@ -485,7 +481,7 @@
           <a:p>
             <a:fld id="{241EB5C9-1307-BA42-ABA2-0BC069CD8E7F}" type="datetimeFigureOut">
               <a:rPr lang="en-US" smtClean="0"/>
-              <a:t>4/5/2019</a:t>
+              <a:t>1/2/22</a:t>
             </a:fld>
             <a:endParaRPr lang="en-US"/>
           </a:p>
@@ -575,8 +571,8 @@
         </p:nvSpPr>
         <p:spPr>
           <a:xfrm>
-            <a:off x="6629400" y="274638"/>
-            <a:ext cx="2057400" cy="5851525"/>
+            <a:off x="6629400" y="205979"/>
+            <a:ext cx="2057400" cy="4388644"/>
           </a:xfrm>
         </p:spPr>
         <p:txBody>
@@ -584,10 +580,9 @@
           <a:lstStyle/>
           <a:p>
             <a:r>
-              <a:rPr lang="en-US" smtClean="0"/>
+              <a:rPr lang="en-US"/>
               <a:t>Click to edit Master title style</a:t>
             </a:r>
-            <a:endParaRPr lang="en-US"/>
           </a:p>
         </p:txBody>
       </p:sp>
@@ -603,8 +598,8 @@
         </p:nvSpPr>
         <p:spPr>
           <a:xfrm>
-            <a:off x="457200" y="274638"/>
-            <a:ext cx="6019800" cy="5851525"/>
+            <a:off x="457200" y="205979"/>
+            <a:ext cx="6019800" cy="4388644"/>
           </a:xfrm>
         </p:spPr>
         <p:txBody>
@@ -613,38 +608,37 @@
           <a:p>
             <a:pPr lvl="0"/>
             <a:r>
-              <a:rPr lang="en-US" smtClean="0"/>
+              <a:rPr lang="en-US"/>
               <a:t>Click to edit Master text styles</a:t>
             </a:r>
           </a:p>
           <a:p>
             <a:pPr lvl="1"/>
             <a:r>
-              <a:rPr lang="en-US" smtClean="0"/>
+              <a:rPr lang="en-US"/>
               <a:t>Second level</a:t>
             </a:r>
           </a:p>
           <a:p>
             <a:pPr lvl="2"/>
             <a:r>
-              <a:rPr lang="en-US" smtClean="0"/>
+              <a:rPr lang="en-US"/>
               <a:t>Third level</a:t>
             </a:r>
           </a:p>
           <a:p>
             <a:pPr lvl="3"/>
             <a:r>
-              <a:rPr lang="en-US" smtClean="0"/>
+              <a:rPr lang="en-US"/>
               <a:t>Fourth level</a:t>
             </a:r>
           </a:p>
           <a:p>
             <a:pPr lvl="4"/>
             <a:r>
-              <a:rPr lang="en-US" smtClean="0"/>
+              <a:rPr lang="en-US"/>
               <a:t>Fifth level</a:t>
             </a:r>
-            <a:endParaRPr lang="en-US"/>
           </a:p>
         </p:txBody>
       </p:sp>
@@ -665,7 +659,7 @@
           <a:p>
             <a:fld id="{241EB5C9-1307-BA42-ABA2-0BC069CD8E7F}" type="datetimeFigureOut">
               <a:rPr lang="en-US" smtClean="0"/>
-              <a:t>4/5/2019</a:t>
+              <a:t>1/2/22</a:t>
             </a:fld>
             <a:endParaRPr lang="en-US"/>
           </a:p>
@@ -759,10 +753,9 @@
           <a:lstStyle/>
           <a:p>
             <a:r>
-              <a:rPr lang="en-US" smtClean="0"/>
+              <a:rPr lang="en-US"/>
               <a:t>Click to edit Master title style</a:t>
             </a:r>
-            <a:endParaRPr lang="en-US"/>
           </a:p>
         </p:txBody>
       </p:sp>
@@ -783,38 +776,37 @@
           <a:p>
             <a:pPr lvl="0"/>
             <a:r>
-              <a:rPr lang="en-US" smtClean="0"/>
+              <a:rPr lang="en-US"/>
               <a:t>Click to edit Master text styles</a:t>
             </a:r>
           </a:p>
           <a:p>
             <a:pPr lvl="1"/>
             <a:r>
-              <a:rPr lang="en-US" smtClean="0"/>
+              <a:rPr lang="en-US"/>
               <a:t>Second level</a:t>
             </a:r>
           </a:p>
           <a:p>
             <a:pPr lvl="2"/>
             <a:r>
-              <a:rPr lang="en-US" smtClean="0"/>
+              <a:rPr lang="en-US"/>
               <a:t>Third level</a:t>
             </a:r>
           </a:p>
           <a:p>
             <a:pPr lvl="3"/>
             <a:r>
-              <a:rPr lang="en-US" smtClean="0"/>
+              <a:rPr lang="en-US"/>
               <a:t>Fourth level</a:t>
             </a:r>
           </a:p>
           <a:p>
             <a:pPr lvl="4"/>
             <a:r>
-              <a:rPr lang="en-US" smtClean="0"/>
+              <a:rPr lang="en-US"/>
               <a:t>Fifth level</a:t>
             </a:r>
-            <a:endParaRPr lang="en-US"/>
           </a:p>
         </p:txBody>
       </p:sp>
@@ -835,7 +827,7 @@
           <a:p>
             <a:fld id="{241EB5C9-1307-BA42-ABA2-0BC069CD8E7F}" type="datetimeFigureOut">
               <a:rPr lang="en-US" smtClean="0"/>
-              <a:t>4/5/2019</a:t>
+              <a:t>1/2/22</a:t>
             </a:fld>
             <a:endParaRPr lang="en-US"/>
           </a:p>
@@ -925,23 +917,22 @@
         </p:nvSpPr>
         <p:spPr>
           <a:xfrm>
-            <a:off x="722313" y="4406900"/>
-            <a:ext cx="7772400" cy="1362075"/>
+            <a:off x="722313" y="3305176"/>
+            <a:ext cx="7772400" cy="1021556"/>
           </a:xfrm>
         </p:spPr>
         <p:txBody>
           <a:bodyPr anchor="t"/>
           <a:lstStyle>
             <a:lvl1pPr algn="l">
-              <a:defRPr sz="4000" b="1" cap="all"/>
+              <a:defRPr sz="3000" b="1" cap="all"/>
             </a:lvl1pPr>
           </a:lstStyle>
           <a:p>
             <a:r>
-              <a:rPr lang="en-US" smtClean="0"/>
+              <a:rPr lang="en-US"/>
               <a:t>Click to edit Master title style</a:t>
             </a:r>
-            <a:endParaRPr lang="en-US"/>
           </a:p>
         </p:txBody>
       </p:sp>
@@ -957,8 +948,8 @@
         </p:nvSpPr>
         <p:spPr>
           <a:xfrm>
-            <a:off x="722313" y="2906713"/>
-            <a:ext cx="7772400" cy="1500187"/>
+            <a:off x="722313" y="2180035"/>
+            <a:ext cx="7772400" cy="1125140"/>
           </a:xfrm>
         </p:spPr>
         <p:txBody>
@@ -966,7 +957,7 @@
           <a:lstStyle>
             <a:lvl1pPr marL="0" indent="0">
               <a:buNone/>
-              <a:defRPr sz="2000">
+              <a:defRPr sz="1500">
                 <a:solidFill>
                   <a:schemeClr val="tx1">
                     <a:tint val="75000"/>
@@ -974,9 +965,9 @@
                 </a:solidFill>
               </a:defRPr>
             </a:lvl1pPr>
-            <a:lvl2pPr marL="457200" indent="0">
-              <a:buNone/>
-              <a:defRPr sz="1800">
+            <a:lvl2pPr marL="342900" indent="0">
+              <a:buNone/>
+              <a:defRPr sz="1350">
                 <a:solidFill>
                   <a:schemeClr val="tx1">
                     <a:tint val="75000"/>
@@ -984,9 +975,9 @@
                 </a:solidFill>
               </a:defRPr>
             </a:lvl2pPr>
-            <a:lvl3pPr marL="914400" indent="0">
-              <a:buNone/>
-              <a:defRPr sz="1600">
+            <a:lvl3pPr marL="685800" indent="0">
+              <a:buNone/>
+              <a:defRPr sz="1200">
                 <a:solidFill>
                   <a:schemeClr val="tx1">
                     <a:tint val="75000"/>
@@ -994,9 +985,9 @@
                 </a:solidFill>
               </a:defRPr>
             </a:lvl3pPr>
-            <a:lvl4pPr marL="1371600" indent="0">
-              <a:buNone/>
-              <a:defRPr sz="1400">
+            <a:lvl4pPr marL="1028700" indent="0">
+              <a:buNone/>
+              <a:defRPr sz="1050">
                 <a:solidFill>
                   <a:schemeClr val="tx1">
                     <a:tint val="75000"/>
@@ -1004,9 +995,9 @@
                 </a:solidFill>
               </a:defRPr>
             </a:lvl4pPr>
-            <a:lvl5pPr marL="1828800" indent="0">
-              <a:buNone/>
-              <a:defRPr sz="1400">
+            <a:lvl5pPr marL="1371600" indent="0">
+              <a:buNone/>
+              <a:defRPr sz="1050">
                 <a:solidFill>
                   <a:schemeClr val="tx1">
                     <a:tint val="75000"/>
@@ -1014,9 +1005,9 @@
                 </a:solidFill>
               </a:defRPr>
             </a:lvl5pPr>
-            <a:lvl6pPr marL="2286000" indent="0">
-              <a:buNone/>
-              <a:defRPr sz="1400">
+            <a:lvl6pPr marL="1714500" indent="0">
+              <a:buNone/>
+              <a:defRPr sz="1050">
                 <a:solidFill>
                   <a:schemeClr val="tx1">
                     <a:tint val="75000"/>
@@ -1024,9 +1015,9 @@
                 </a:solidFill>
               </a:defRPr>
             </a:lvl6pPr>
-            <a:lvl7pPr marL="2743200" indent="0">
-              <a:buNone/>
-              <a:defRPr sz="1400">
+            <a:lvl7pPr marL="2057400" indent="0">
+              <a:buNone/>
+              <a:defRPr sz="1050">
                 <a:solidFill>
                   <a:schemeClr val="tx1">
                     <a:tint val="75000"/>
@@ -1034,9 +1025,9 @@
                 </a:solidFill>
               </a:defRPr>
             </a:lvl7pPr>
-            <a:lvl8pPr marL="3200400" indent="0">
-              <a:buNone/>
-              <a:defRPr sz="1400">
+            <a:lvl8pPr marL="2400300" indent="0">
+              <a:buNone/>
+              <a:defRPr sz="1050">
                 <a:solidFill>
                   <a:schemeClr val="tx1">
                     <a:tint val="75000"/>
@@ -1044,9 +1035,9 @@
                 </a:solidFill>
               </a:defRPr>
             </a:lvl8pPr>
-            <a:lvl9pPr marL="3657600" indent="0">
-              <a:buNone/>
-              <a:defRPr sz="1400">
+            <a:lvl9pPr marL="2743200" indent="0">
+              <a:buNone/>
+              <a:defRPr sz="1050">
                 <a:solidFill>
                   <a:schemeClr val="tx1">
                     <a:tint val="75000"/>
@@ -1058,7 +1049,7 @@
           <a:p>
             <a:pPr lvl="0"/>
             <a:r>
-              <a:rPr lang="en-US" smtClean="0"/>
+              <a:rPr lang="en-US"/>
               <a:t>Click to edit Master text styles</a:t>
             </a:r>
           </a:p>
@@ -1081,7 +1072,7 @@
           <a:p>
             <a:fld id="{241EB5C9-1307-BA42-ABA2-0BC069CD8E7F}" type="datetimeFigureOut">
               <a:rPr lang="en-US" smtClean="0"/>
-              <a:t>4/5/2019</a:t>
+              <a:t>1/2/22</a:t>
             </a:fld>
             <a:endParaRPr lang="en-US"/>
           </a:p>
@@ -1175,10 +1166,9 @@
           <a:lstStyle/>
           <a:p>
             <a:r>
-              <a:rPr lang="en-US" smtClean="0"/>
+              <a:rPr lang="en-US"/>
               <a:t>Click to edit Master title style</a:t>
             </a:r>
-            <a:endParaRPr lang="en-US"/>
           </a:p>
         </p:txBody>
       </p:sp>
@@ -1194,76 +1184,75 @@
         </p:nvSpPr>
         <p:spPr>
           <a:xfrm>
-            <a:off x="457200" y="1600200"/>
-            <a:ext cx="4038600" cy="4525963"/>
+            <a:off x="457200" y="1200151"/>
+            <a:ext cx="4038600" cy="3394472"/>
           </a:xfrm>
         </p:spPr>
         <p:txBody>
           <a:bodyPr/>
           <a:lstStyle>
             <a:lvl1pPr>
-              <a:defRPr sz="2800"/>
+              <a:defRPr sz="2100"/>
             </a:lvl1pPr>
             <a:lvl2pPr>
-              <a:defRPr sz="2400"/>
+              <a:defRPr sz="1800"/>
             </a:lvl2pPr>
             <a:lvl3pPr>
-              <a:defRPr sz="2000"/>
+              <a:defRPr sz="1500"/>
             </a:lvl3pPr>
             <a:lvl4pPr>
-              <a:defRPr sz="1800"/>
+              <a:defRPr sz="1350"/>
             </a:lvl4pPr>
             <a:lvl5pPr>
-              <a:defRPr sz="1800"/>
+              <a:defRPr sz="1350"/>
             </a:lvl5pPr>
             <a:lvl6pPr>
-              <a:defRPr sz="1800"/>
+              <a:defRPr sz="1350"/>
             </a:lvl6pPr>
             <a:lvl7pPr>
-              <a:defRPr sz="1800"/>
+              <a:defRPr sz="1350"/>
             </a:lvl7pPr>
             <a:lvl8pPr>
-              <a:defRPr sz="1800"/>
+              <a:defRPr sz="1350"/>
             </a:lvl8pPr>
             <a:lvl9pPr>
-              <a:defRPr sz="1800"/>
+              <a:defRPr sz="1350"/>
             </a:lvl9pPr>
           </a:lstStyle>
           <a:p>
             <a:pPr lvl="0"/>
             <a:r>
-              <a:rPr lang="en-US" smtClean="0"/>
+              <a:rPr lang="en-US"/>
               <a:t>Click to edit Master text styles</a:t>
             </a:r>
           </a:p>
           <a:p>
             <a:pPr lvl="1"/>
             <a:r>
-              <a:rPr lang="en-US" smtClean="0"/>
+              <a:rPr lang="en-US"/>
               <a:t>Second level</a:t>
             </a:r>
           </a:p>
           <a:p>
             <a:pPr lvl="2"/>
             <a:r>
-              <a:rPr lang="en-US" smtClean="0"/>
+              <a:rPr lang="en-US"/>
               <a:t>Third level</a:t>
             </a:r>
           </a:p>
           <a:p>
             <a:pPr lvl="3"/>
             <a:r>
-              <a:rPr lang="en-US" smtClean="0"/>
+              <a:rPr lang="en-US"/>
               <a:t>Fourth level</a:t>
             </a:r>
           </a:p>
           <a:p>
             <a:pPr lvl="4"/>
             <a:r>
-              <a:rPr lang="en-US" smtClean="0"/>
+              <a:rPr lang="en-US"/>
               <a:t>Fifth level</a:t>
             </a:r>
-            <a:endParaRPr lang="en-US"/>
           </a:p>
         </p:txBody>
       </p:sp>
@@ -1279,76 +1268,75 @@
         </p:nvSpPr>
         <p:spPr>
           <a:xfrm>
-            <a:off x="4648200" y="1600200"/>
-            <a:ext cx="4038600" cy="4525963"/>
+            <a:off x="4648200" y="1200151"/>
+            <a:ext cx="4038600" cy="3394472"/>
           </a:xfrm>
         </p:spPr>
         <p:txBody>
           <a:bodyPr/>
           <a:lstStyle>
             <a:lvl1pPr>
-              <a:defRPr sz="2800"/>
+              <a:defRPr sz="2100"/>
             </a:lvl1pPr>
             <a:lvl2pPr>
-              <a:defRPr sz="2400"/>
+              <a:defRPr sz="1800"/>
             </a:lvl2pPr>
             <a:lvl3pPr>
-              <a:defRPr sz="2000"/>
+              <a:defRPr sz="1500"/>
             </a:lvl3pPr>
             <a:lvl4pPr>
-              <a:defRPr sz="1800"/>
+              <a:defRPr sz="1350"/>
             </a:lvl4pPr>
             <a:lvl5pPr>
-              <a:defRPr sz="1800"/>
+              <a:defRPr sz="1350"/>
             </a:lvl5pPr>
             <a:lvl6pPr>
-              <a:defRPr sz="1800"/>
+              <a:defRPr sz="1350"/>
             </a:lvl6pPr>
             <a:lvl7pPr>
-              <a:defRPr sz="1800"/>
+              <a:defRPr sz="1350"/>
             </a:lvl7pPr>
             <a:lvl8pPr>
-              <a:defRPr sz="1800"/>
+              <a:defRPr sz="1350"/>
             </a:lvl8pPr>
             <a:lvl9pPr>
-              <a:defRPr sz="1800"/>
+              <a:defRPr sz="1350"/>
             </a:lvl9pPr>
           </a:lstStyle>
           <a:p>
             <a:pPr lvl="0"/>
             <a:r>
-              <a:rPr lang="en-US" smtClean="0"/>
+              <a:rPr lang="en-US"/>
               <a:t>Click to edit Master text styles</a:t>
             </a:r>
           </a:p>
           <a:p>
             <a:pPr lvl="1"/>
             <a:r>
-              <a:rPr lang="en-US" smtClean="0"/>
+              <a:rPr lang="en-US"/>
               <a:t>Second level</a:t>
             </a:r>
           </a:p>
           <a:p>
             <a:pPr lvl="2"/>
             <a:r>
-              <a:rPr lang="en-US" smtClean="0"/>
+              <a:rPr lang="en-US"/>
               <a:t>Third level</a:t>
             </a:r>
           </a:p>
           <a:p>
             <a:pPr lvl="3"/>
             <a:r>
-              <a:rPr lang="en-US" smtClean="0"/>
+              <a:rPr lang="en-US"/>
               <a:t>Fourth level</a:t>
             </a:r>
           </a:p>
           <a:p>
             <a:pPr lvl="4"/>
             <a:r>
-              <a:rPr lang="en-US" smtClean="0"/>
+              <a:rPr lang="en-US"/>
               <a:t>Fifth level</a:t>
             </a:r>
-            <a:endParaRPr lang="en-US"/>
           </a:p>
         </p:txBody>
       </p:sp>
@@ -1369,7 +1357,7 @@
           <a:p>
             <a:fld id="{241EB5C9-1307-BA42-ABA2-0BC069CD8E7F}" type="datetimeFigureOut">
               <a:rPr lang="en-US" smtClean="0"/>
-              <a:t>4/5/2019</a:t>
+              <a:t>1/2/22</a:t>
             </a:fld>
             <a:endParaRPr lang="en-US"/>
           </a:p>
@@ -1467,10 +1455,9 @@
           </a:lstStyle>
           <a:p>
             <a:r>
-              <a:rPr lang="en-US" smtClean="0"/>
+              <a:rPr lang="en-US"/>
               <a:t>Click to edit Master title style</a:t>
             </a:r>
-            <a:endParaRPr lang="en-US"/>
           </a:p>
         </p:txBody>
       </p:sp>
@@ -1486,8 +1473,8 @@
         </p:nvSpPr>
         <p:spPr>
           <a:xfrm>
-            <a:off x="457200" y="1535113"/>
-            <a:ext cx="4040188" cy="639762"/>
+            <a:off x="457200" y="1151335"/>
+            <a:ext cx="4040188" cy="479822"/>
           </a:xfrm>
         </p:spPr>
         <p:txBody>
@@ -1495,45 +1482,45 @@
           <a:lstStyle>
             <a:lvl1pPr marL="0" indent="0">
               <a:buNone/>
-              <a:defRPr sz="2400" b="1"/>
+              <a:defRPr sz="1800" b="1"/>
             </a:lvl1pPr>
-            <a:lvl2pPr marL="457200" indent="0">
-              <a:buNone/>
-              <a:defRPr sz="2000" b="1"/>
+            <a:lvl2pPr marL="342900" indent="0">
+              <a:buNone/>
+              <a:defRPr sz="1500" b="1"/>
             </a:lvl2pPr>
-            <a:lvl3pPr marL="914400" indent="0">
-              <a:buNone/>
-              <a:defRPr sz="1800" b="1"/>
+            <a:lvl3pPr marL="685800" indent="0">
+              <a:buNone/>
+              <a:defRPr sz="1350" b="1"/>
             </a:lvl3pPr>
-            <a:lvl4pPr marL="1371600" indent="0">
-              <a:buNone/>
-              <a:defRPr sz="1600" b="1"/>
+            <a:lvl4pPr marL="1028700" indent="0">
+              <a:buNone/>
+              <a:defRPr sz="1200" b="1"/>
             </a:lvl4pPr>
-            <a:lvl5pPr marL="1828800" indent="0">
-              <a:buNone/>
-              <a:defRPr sz="1600" b="1"/>
+            <a:lvl5pPr marL="1371600" indent="0">
+              <a:buNone/>
+              <a:defRPr sz="1200" b="1"/>
             </a:lvl5pPr>
-            <a:lvl6pPr marL="2286000" indent="0">
-              <a:buNone/>
-              <a:defRPr sz="1600" b="1"/>
+            <a:lvl6pPr marL="1714500" indent="0">
+              <a:buNone/>
+              <a:defRPr sz="1200" b="1"/>
             </a:lvl6pPr>
-            <a:lvl7pPr marL="2743200" indent="0">
-              <a:buNone/>
-              <a:defRPr sz="1600" b="1"/>
+            <a:lvl7pPr marL="2057400" indent="0">
+              <a:buNone/>
+              <a:defRPr sz="1200" b="1"/>
             </a:lvl7pPr>
-            <a:lvl8pPr marL="3200400" indent="0">
-              <a:buNone/>
-              <a:defRPr sz="1600" b="1"/>
+            <a:lvl8pPr marL="2400300" indent="0">
+              <a:buNone/>
+              <a:defRPr sz="1200" b="1"/>
             </a:lvl8pPr>
-            <a:lvl9pPr marL="3657600" indent="0">
-              <a:buNone/>
-              <a:defRPr sz="1600" b="1"/>
+            <a:lvl9pPr marL="2743200" indent="0">
+              <a:buNone/>
+              <a:defRPr sz="1200" b="1"/>
             </a:lvl9pPr>
           </a:lstStyle>
           <a:p>
             <a:pPr lvl="0"/>
             <a:r>
-              <a:rPr lang="en-US" smtClean="0"/>
+              <a:rPr lang="en-US"/>
               <a:t>Click to edit Master text styles</a:t>
             </a:r>
           </a:p>
@@ -1551,76 +1538,75 @@
         </p:nvSpPr>
         <p:spPr>
           <a:xfrm>
-            <a:off x="457200" y="2174875"/>
-            <a:ext cx="4040188" cy="3951288"/>
+            <a:off x="457200" y="1631156"/>
+            <a:ext cx="4040188" cy="2963466"/>
           </a:xfrm>
         </p:spPr>
         <p:txBody>
           <a:bodyPr/>
           <a:lstStyle>
             <a:lvl1pPr>
-              <a:defRPr sz="2400"/>
+              <a:defRPr sz="1800"/>
             </a:lvl1pPr>
             <a:lvl2pPr>
-              <a:defRPr sz="2000"/>
+              <a:defRPr sz="1500"/>
             </a:lvl2pPr>
             <a:lvl3pPr>
-              <a:defRPr sz="1800"/>
+              <a:defRPr sz="1350"/>
             </a:lvl3pPr>
             <a:lvl4pPr>
-              <a:defRPr sz="1600"/>
+              <a:defRPr sz="1200"/>
             </a:lvl4pPr>
             <a:lvl5pPr>
-              <a:defRPr sz="1600"/>
+              <a:defRPr sz="1200"/>
             </a:lvl5pPr>
             <a:lvl6pPr>
-              <a:defRPr sz="1600"/>
+              <a:defRPr sz="1200"/>
             </a:lvl6pPr>
             <a:lvl7pPr>
-              <a:defRPr sz="1600"/>
+              <a:defRPr sz="1200"/>
             </a:lvl7pPr>
             <a:lvl8pPr>
-              <a:defRPr sz="1600"/>
+              <a:defRPr sz="1200"/>
             </a:lvl8pPr>
             <a:lvl9pPr>
-              <a:defRPr sz="1600"/>
+              <a:defRPr sz="1200"/>
             </a:lvl9pPr>
           </a:lstStyle>
           <a:p>
             <a:pPr lvl="0"/>
             <a:r>
-              <a:rPr lang="en-US" smtClean="0"/>
+              <a:rPr lang="en-US"/>
               <a:t>Click to edit Master text styles</a:t>
             </a:r>
           </a:p>
           <a:p>
             <a:pPr lvl="1"/>
             <a:r>
-              <a:rPr lang="en-US" smtClean="0"/>
+              <a:rPr lang="en-US"/>
               <a:t>Second level</a:t>
             </a:r>
           </a:p>
           <a:p>
             <a:pPr lvl="2"/>
             <a:r>
-              <a:rPr lang="en-US" smtClean="0"/>
+              <a:rPr lang="en-US"/>
               <a:t>Third level</a:t>
             </a:r>
           </a:p>
           <a:p>
             <a:pPr lvl="3"/>
             <a:r>
-              <a:rPr lang="en-US" smtClean="0"/>
+              <a:rPr lang="en-US"/>
               <a:t>Fourth level</a:t>
             </a:r>
           </a:p>
           <a:p>
             <a:pPr lvl="4"/>
             <a:r>
-              <a:rPr lang="en-US" smtClean="0"/>
+              <a:rPr lang="en-US"/>
               <a:t>Fifth level</a:t>
             </a:r>
-            <a:endParaRPr lang="en-US"/>
           </a:p>
         </p:txBody>
       </p:sp>
@@ -1636,8 +1622,8 @@
         </p:nvSpPr>
         <p:spPr>
           <a:xfrm>
-            <a:off x="4645025" y="1535113"/>
-            <a:ext cx="4041775" cy="639762"/>
+            <a:off x="4645026" y="1151335"/>
+            <a:ext cx="4041775" cy="479822"/>
           </a:xfrm>
         </p:spPr>
         <p:txBody>
@@ -1645,45 +1631,45 @@
           <a:lstStyle>
             <a:lvl1pPr marL="0" indent="0">
               <a:buNone/>
-              <a:defRPr sz="2400" b="1"/>
+              <a:defRPr sz="1800" b="1"/>
             </a:lvl1pPr>
-            <a:lvl2pPr marL="457200" indent="0">
-              <a:buNone/>
-              <a:defRPr sz="2000" b="1"/>
+            <a:lvl2pPr marL="342900" indent="0">
+              <a:buNone/>
+              <a:defRPr sz="1500" b="1"/>
             </a:lvl2pPr>
-            <a:lvl3pPr marL="914400" indent="0">
-              <a:buNone/>
-              <a:defRPr sz="1800" b="1"/>
+            <a:lvl3pPr marL="685800" indent="0">
+              <a:buNone/>
+              <a:defRPr sz="1350" b="1"/>
             </a:lvl3pPr>
-            <a:lvl4pPr marL="1371600" indent="0">
-              <a:buNone/>
-              <a:defRPr sz="1600" b="1"/>
+            <a:lvl4pPr marL="1028700" indent="0">
+              <a:buNone/>
+              <a:defRPr sz="1200" b="1"/>
             </a:lvl4pPr>
-            <a:lvl5pPr marL="1828800" indent="0">
-              <a:buNone/>
-              <a:defRPr sz="1600" b="1"/>
+            <a:lvl5pPr marL="1371600" indent="0">
+              <a:buNone/>
+              <a:defRPr sz="1200" b="1"/>
             </a:lvl5pPr>
-            <a:lvl6pPr marL="2286000" indent="0">
-              <a:buNone/>
-              <a:defRPr sz="1600" b="1"/>
+            <a:lvl6pPr marL="1714500" indent="0">
+              <a:buNone/>
+              <a:defRPr sz="1200" b="1"/>
             </a:lvl6pPr>
-            <a:lvl7pPr marL="2743200" indent="0">
-              <a:buNone/>
-              <a:defRPr sz="1600" b="1"/>
+            <a:lvl7pPr marL="2057400" indent="0">
+              <a:buNone/>
+              <a:defRPr sz="1200" b="1"/>
             </a:lvl7pPr>
-            <a:lvl8pPr marL="3200400" indent="0">
-              <a:buNone/>
-              <a:defRPr sz="1600" b="1"/>
+            <a:lvl8pPr marL="2400300" indent="0">
+              <a:buNone/>
+              <a:defRPr sz="1200" b="1"/>
             </a:lvl8pPr>
-            <a:lvl9pPr marL="3657600" indent="0">
-              <a:buNone/>
-              <a:defRPr sz="1600" b="1"/>
+            <a:lvl9pPr marL="2743200" indent="0">
+              <a:buNone/>
+              <a:defRPr sz="1200" b="1"/>
             </a:lvl9pPr>
           </a:lstStyle>
           <a:p>
             <a:pPr lvl="0"/>
             <a:r>
-              <a:rPr lang="en-US" smtClean="0"/>
+              <a:rPr lang="en-US"/>
               <a:t>Click to edit Master text styles</a:t>
             </a:r>
           </a:p>
@@ -1701,76 +1687,75 @@
         </p:nvSpPr>
         <p:spPr>
           <a:xfrm>
-            <a:off x="4645025" y="2174875"/>
-            <a:ext cx="4041775" cy="3951288"/>
+            <a:off x="4645026" y="1631156"/>
+            <a:ext cx="4041775" cy="2963466"/>
           </a:xfrm>
         </p:spPr>
         <p:txBody>
           <a:bodyPr/>
           <a:lstStyle>
             <a:lvl1pPr>
-              <a:defRPr sz="2400"/>
+              <a:defRPr sz="1800"/>
             </a:lvl1pPr>
             <a:lvl2pPr>
-              <a:defRPr sz="2000"/>
+              <a:defRPr sz="1500"/>
             </a:lvl2pPr>
             <a:lvl3pPr>
-              <a:defRPr sz="1800"/>
+              <a:defRPr sz="1350"/>
             </a:lvl3pPr>
             <a:lvl4pPr>
-              <a:defRPr sz="1600"/>
+              <a:defRPr sz="1200"/>
             </a:lvl4pPr>
             <a:lvl5pPr>
-              <a:defRPr sz="1600"/>
+              <a:defRPr sz="1200"/>
             </a:lvl5pPr>
             <a:lvl6pPr>
-              <a:defRPr sz="1600"/>
+              <a:defRPr sz="1200"/>
             </a:lvl6pPr>
             <a:lvl7pPr>
-              <a:defRPr sz="1600"/>
+              <a:defRPr sz="1200"/>
             </a:lvl7pPr>
             <a:lvl8pPr>
-              <a:defRPr sz="1600"/>
+              <a:defRPr sz="1200"/>
             </a:lvl8pPr>
             <a:lvl9pPr>
-              <a:defRPr sz="1600"/>
+              <a:defRPr sz="1200"/>
             </a:lvl9pPr>
           </a:lstStyle>
           <a:p>
             <a:pPr lvl="0"/>
             <a:r>
-              <a:rPr lang="en-US" smtClean="0"/>
+              <a:rPr lang="en-US"/>
               <a:t>Click to edit Master text styles</a:t>
             </a:r>
           </a:p>
           <a:p>
             <a:pPr lvl="1"/>
             <a:r>
-              <a:rPr lang="en-US" smtClean="0"/>
+              <a:rPr lang="en-US"/>
               <a:t>Second level</a:t>
             </a:r>
           </a:p>
           <a:p>
             <a:pPr lvl="2"/>
             <a:r>
-              <a:rPr lang="en-US" smtClean="0"/>
+              <a:rPr lang="en-US"/>
               <a:t>Third level</a:t>
             </a:r>
           </a:p>
           <a:p>
             <a:pPr lvl="3"/>
             <a:r>
-              <a:rPr lang="en-US" smtClean="0"/>
+              <a:rPr lang="en-US"/>
               <a:t>Fourth level</a:t>
             </a:r>
           </a:p>
           <a:p>
             <a:pPr lvl="4"/>
             <a:r>
-              <a:rPr lang="en-US" smtClean="0"/>
+              <a:rPr lang="en-US"/>
               <a:t>Fifth level</a:t>
             </a:r>
-            <a:endParaRPr lang="en-US"/>
           </a:p>
         </p:txBody>
       </p:sp>
@@ -1791,7 +1776,7 @@
           <a:p>
             <a:fld id="{241EB5C9-1307-BA42-ABA2-0BC069CD8E7F}" type="datetimeFigureOut">
               <a:rPr lang="en-US" smtClean="0"/>
-              <a:t>4/5/2019</a:t>
+              <a:t>1/2/22</a:t>
             </a:fld>
             <a:endParaRPr lang="en-US"/>
           </a:p>
@@ -1885,10 +1870,9 @@
           <a:lstStyle/>
           <a:p>
             <a:r>
-              <a:rPr lang="en-US" smtClean="0"/>
+              <a:rPr lang="en-US"/>
               <a:t>Click to edit Master title style</a:t>
             </a:r>
-            <a:endParaRPr lang="en-US"/>
           </a:p>
         </p:txBody>
       </p:sp>
@@ -1909,7 +1893,7 @@
           <a:p>
             <a:fld id="{241EB5C9-1307-BA42-ABA2-0BC069CD8E7F}" type="datetimeFigureOut">
               <a:rPr lang="en-US" smtClean="0"/>
-              <a:t>4/5/2019</a:t>
+              <a:t>1/2/22</a:t>
             </a:fld>
             <a:endParaRPr lang="en-US"/>
           </a:p>
@@ -2004,7 +1988,7 @@
           <a:p>
             <a:fld id="{241EB5C9-1307-BA42-ABA2-0BC069CD8E7F}" type="datetimeFigureOut">
               <a:rPr lang="en-US" smtClean="0"/>
-              <a:t>4/5/2019</a:t>
+              <a:t>1/2/22</a:t>
             </a:fld>
             <a:endParaRPr lang="en-US"/>
           </a:p>
@@ -2094,23 +2078,22 @@
         </p:nvSpPr>
         <p:spPr>
           <a:xfrm>
-            <a:off x="457200" y="273050"/>
-            <a:ext cx="3008313" cy="1162050"/>
+            <a:off x="457201" y="204787"/>
+            <a:ext cx="3008313" cy="871538"/>
           </a:xfrm>
         </p:spPr>
         <p:txBody>
           <a:bodyPr anchor="b"/>
           <a:lstStyle>
             <a:lvl1pPr algn="l">
-              <a:defRPr sz="2000" b="1"/>
+              <a:defRPr sz="1500" b="1"/>
             </a:lvl1pPr>
           </a:lstStyle>
           <a:p>
             <a:r>
-              <a:rPr lang="en-US" smtClean="0"/>
+              <a:rPr lang="en-US"/>
               <a:t>Click to edit Master title style</a:t>
             </a:r>
-            <a:endParaRPr lang="en-US"/>
           </a:p>
         </p:txBody>
       </p:sp>
@@ -2126,76 +2109,75 @@
         </p:nvSpPr>
         <p:spPr>
           <a:xfrm>
-            <a:off x="3575050" y="273050"/>
-            <a:ext cx="5111750" cy="5853113"/>
+            <a:off x="3575050" y="204788"/>
+            <a:ext cx="5111750" cy="4389835"/>
           </a:xfrm>
         </p:spPr>
         <p:txBody>
           <a:bodyPr/>
           <a:lstStyle>
             <a:lvl1pPr>
-              <a:defRPr sz="3200"/>
+              <a:defRPr sz="2400"/>
             </a:lvl1pPr>
             <a:lvl2pPr>
-              <a:defRPr sz="2800"/>
+              <a:defRPr sz="2100"/>
             </a:lvl2pPr>
             <a:lvl3pPr>
-              <a:defRPr sz="2400"/>
+              <a:defRPr sz="1800"/>
             </a:lvl3pPr>
             <a:lvl4pPr>
-              <a:defRPr sz="2000"/>
+              <a:defRPr sz="1500"/>
             </a:lvl4pPr>
             <a:lvl5pPr>
-              <a:defRPr sz="2000"/>
+              <a:defRPr sz="1500"/>
             </a:lvl5pPr>
             <a:lvl6pPr>
-              <a:defRPr sz="2000"/>
+              <a:defRPr sz="1500"/>
             </a:lvl6pPr>
             <a:lvl7pPr>
-              <a:defRPr sz="2000"/>
+              <a:defRPr sz="1500"/>
             </a:lvl7pPr>
             <a:lvl8pPr>
-              <a:defRPr sz="2000"/>
+              <a:defRPr sz="1500"/>
             </a:lvl8pPr>
             <a:lvl9pPr>
-              <a:defRPr sz="2000"/>
+              <a:defRPr sz="1500"/>
             </a:lvl9pPr>
           </a:lstStyle>
           <a:p>
             <a:pPr lvl="0"/>
             <a:r>
-              <a:rPr lang="en-US" smtClean="0"/>
+              <a:rPr lang="en-US"/>
               <a:t>Click to edit Master text styles</a:t>
             </a:r>
           </a:p>
           <a:p>
             <a:pPr lvl="1"/>
             <a:r>
-              <a:rPr lang="en-US" smtClean="0"/>
+              <a:rPr lang="en-US"/>
               <a:t>Second level</a:t>
             </a:r>
           </a:p>
           <a:p>
             <a:pPr lvl="2"/>
             <a:r>
-              <a:rPr lang="en-US" smtClean="0"/>
+              <a:rPr lang="en-US"/>
               <a:t>Third level</a:t>
             </a:r>
           </a:p>
           <a:p>
             <a:pPr lvl="3"/>
             <a:r>
-              <a:rPr lang="en-US" smtClean="0"/>
+              <a:rPr lang="en-US"/>
               <a:t>Fourth level</a:t>
             </a:r>
           </a:p>
           <a:p>
             <a:pPr lvl="4"/>
             <a:r>
-              <a:rPr lang="en-US" smtClean="0"/>
+              <a:rPr lang="en-US"/>
               <a:t>Fifth level</a:t>
             </a:r>
-            <a:endParaRPr lang="en-US"/>
           </a:p>
         </p:txBody>
       </p:sp>
@@ -2211,8 +2193,8 @@
         </p:nvSpPr>
         <p:spPr>
           <a:xfrm>
-            <a:off x="457200" y="1435100"/>
-            <a:ext cx="3008313" cy="4691063"/>
+            <a:off x="457201" y="1076326"/>
+            <a:ext cx="3008313" cy="3518297"/>
           </a:xfrm>
         </p:spPr>
         <p:txBody>
@@ -2220,45 +2202,45 @@
           <a:lstStyle>
             <a:lvl1pPr marL="0" indent="0">
               <a:buNone/>
-              <a:defRPr sz="1400"/>
+              <a:defRPr sz="1050"/>
             </a:lvl1pPr>
-            <a:lvl2pPr marL="457200" indent="0">
-              <a:buNone/>
-              <a:defRPr sz="1200"/>
+            <a:lvl2pPr marL="342900" indent="0">
+              <a:buNone/>
+              <a:defRPr sz="900"/>
             </a:lvl2pPr>
-            <a:lvl3pPr marL="914400" indent="0">
-              <a:buNone/>
-              <a:defRPr sz="1000"/>
+            <a:lvl3pPr marL="685800" indent="0">
+              <a:buNone/>
+              <a:defRPr sz="750"/>
             </a:lvl3pPr>
-            <a:lvl4pPr marL="1371600" indent="0">
-              <a:buNone/>
-              <a:defRPr sz="900"/>
+            <a:lvl4pPr marL="1028700" indent="0">
+              <a:buNone/>
+              <a:defRPr sz="675"/>
             </a:lvl4pPr>
-            <a:lvl5pPr marL="1828800" indent="0">
-              <a:buNone/>
-              <a:defRPr sz="900"/>
+            <a:lvl5pPr marL="1371600" indent="0">
+              <a:buNone/>
+              <a:defRPr sz="675"/>
             </a:lvl5pPr>
-            <a:lvl6pPr marL="2286000" indent="0">
-              <a:buNone/>
-              <a:defRPr sz="900"/>
+            <a:lvl6pPr marL="1714500" indent="0">
+              <a:buNone/>
+              <a:defRPr sz="675"/>
             </a:lvl6pPr>
-            <a:lvl7pPr marL="2743200" indent="0">
-              <a:buNone/>
-              <a:defRPr sz="900"/>
+            <a:lvl7pPr marL="2057400" indent="0">
+              <a:buNone/>
+              <a:defRPr sz="675"/>
             </a:lvl7pPr>
-            <a:lvl8pPr marL="3200400" indent="0">
-              <a:buNone/>
-              <a:defRPr sz="900"/>
+            <a:lvl8pPr marL="2400300" indent="0">
+              <a:buNone/>
+              <a:defRPr sz="675"/>
             </a:lvl8pPr>
-            <a:lvl9pPr marL="3657600" indent="0">
-              <a:buNone/>
-              <a:defRPr sz="900"/>
+            <a:lvl9pPr marL="2743200" indent="0">
+              <a:buNone/>
+              <a:defRPr sz="675"/>
             </a:lvl9pPr>
           </a:lstStyle>
           <a:p>
             <a:pPr lvl="0"/>
             <a:r>
-              <a:rPr lang="en-US" smtClean="0"/>
+              <a:rPr lang="en-US"/>
               <a:t>Click to edit Master text styles</a:t>
             </a:r>
           </a:p>
@@ -2281,7 +2263,7 @@
           <a:p>
             <a:fld id="{241EB5C9-1307-BA42-ABA2-0BC069CD8E7F}" type="datetimeFigureOut">
               <a:rPr lang="en-US" smtClean="0"/>
-              <a:t>4/5/2019</a:t>
+              <a:t>1/2/22</a:t>
             </a:fld>
             <a:endParaRPr lang="en-US"/>
           </a:p>
@@ -2371,23 +2353,22 @@
         </p:nvSpPr>
         <p:spPr>
           <a:xfrm>
-            <a:off x="1792288" y="4800600"/>
-            <a:ext cx="5486400" cy="566738"/>
+            <a:off x="1792288" y="3600450"/>
+            <a:ext cx="5486400" cy="425054"/>
           </a:xfrm>
         </p:spPr>
         <p:txBody>
           <a:bodyPr anchor="b"/>
           <a:lstStyle>
             <a:lvl1pPr algn="l">
-              <a:defRPr sz="2000" b="1"/>
+              <a:defRPr sz="1500" b="1"/>
             </a:lvl1pPr>
           </a:lstStyle>
           <a:p>
             <a:r>
-              <a:rPr lang="en-US" smtClean="0"/>
+              <a:rPr lang="en-US"/>
               <a:t>Click to edit Master title style</a:t>
             </a:r>
-            <a:endParaRPr lang="en-US"/>
           </a:p>
         </p:txBody>
       </p:sp>
@@ -2403,8 +2384,8 @@
         </p:nvSpPr>
         <p:spPr>
           <a:xfrm>
-            <a:off x="1792288" y="612775"/>
-            <a:ext cx="5486400" cy="4114800"/>
+            <a:off x="1792288" y="459581"/>
+            <a:ext cx="5486400" cy="3086100"/>
           </a:xfrm>
         </p:spPr>
         <p:txBody>
@@ -2412,39 +2393,39 @@
           <a:lstStyle>
             <a:lvl1pPr marL="0" indent="0">
               <a:buNone/>
-              <a:defRPr sz="3200"/>
+              <a:defRPr sz="2400"/>
             </a:lvl1pPr>
-            <a:lvl2pPr marL="457200" indent="0">
-              <a:buNone/>
-              <a:defRPr sz="2800"/>
+            <a:lvl2pPr marL="342900" indent="0">
+              <a:buNone/>
+              <a:defRPr sz="2100"/>
             </a:lvl2pPr>
-            <a:lvl3pPr marL="914400" indent="0">
-              <a:buNone/>
-              <a:defRPr sz="2400"/>
+            <a:lvl3pPr marL="685800" indent="0">
+              <a:buNone/>
+              <a:defRPr sz="1800"/>
             </a:lvl3pPr>
-            <a:lvl4pPr marL="1371600" indent="0">
-              <a:buNone/>
-              <a:defRPr sz="2000"/>
+            <a:lvl4pPr marL="1028700" indent="0">
+              <a:buNone/>
+              <a:defRPr sz="1500"/>
             </a:lvl4pPr>
-            <a:lvl5pPr marL="1828800" indent="0">
-              <a:buNone/>
-              <a:defRPr sz="2000"/>
+            <a:lvl5pPr marL="1371600" indent="0">
+              <a:buNone/>
+              <a:defRPr sz="1500"/>
             </a:lvl5pPr>
-            <a:lvl6pPr marL="2286000" indent="0">
-              <a:buNone/>
-              <a:defRPr sz="2000"/>
+            <a:lvl6pPr marL="1714500" indent="0">
+              <a:buNone/>
+              <a:defRPr sz="1500"/>
             </a:lvl6pPr>
-            <a:lvl7pPr marL="2743200" indent="0">
-              <a:buNone/>
-              <a:defRPr sz="2000"/>
+            <a:lvl7pPr marL="2057400" indent="0">
+              <a:buNone/>
+              <a:defRPr sz="1500"/>
             </a:lvl7pPr>
-            <a:lvl8pPr marL="3200400" indent="0">
-              <a:buNone/>
-              <a:defRPr sz="2000"/>
+            <a:lvl8pPr marL="2400300" indent="0">
+              <a:buNone/>
+              <a:defRPr sz="1500"/>
             </a:lvl8pPr>
-            <a:lvl9pPr marL="3657600" indent="0">
-              <a:buNone/>
-              <a:defRPr sz="2000"/>
+            <a:lvl9pPr marL="2743200" indent="0">
+              <a:buNone/>
+              <a:defRPr sz="1500"/>
             </a:lvl9pPr>
           </a:lstStyle>
           <a:p>
@@ -2464,8 +2445,8 @@
         </p:nvSpPr>
         <p:spPr>
           <a:xfrm>
-            <a:off x="1792288" y="5367338"/>
-            <a:ext cx="5486400" cy="804862"/>
+            <a:off x="1792288" y="4025503"/>
+            <a:ext cx="5486400" cy="603647"/>
           </a:xfrm>
         </p:spPr>
         <p:txBody>
@@ -2473,45 +2454,45 @@
           <a:lstStyle>
             <a:lvl1pPr marL="0" indent="0">
               <a:buNone/>
-              <a:defRPr sz="1400"/>
+              <a:defRPr sz="1050"/>
             </a:lvl1pPr>
-            <a:lvl2pPr marL="457200" indent="0">
-              <a:buNone/>
-              <a:defRPr sz="1200"/>
+            <a:lvl2pPr marL="342900" indent="0">
+              <a:buNone/>
+              <a:defRPr sz="900"/>
             </a:lvl2pPr>
-            <a:lvl3pPr marL="914400" indent="0">
-              <a:buNone/>
-              <a:defRPr sz="1000"/>
+            <a:lvl3pPr marL="685800" indent="0">
+              <a:buNone/>
+              <a:defRPr sz="750"/>
             </a:lvl3pPr>
-            <a:lvl4pPr marL="1371600" indent="0">
-              <a:buNone/>
-              <a:defRPr sz="900"/>
+            <a:lvl4pPr marL="1028700" indent="0">
+              <a:buNone/>
+              <a:defRPr sz="675"/>
             </a:lvl4pPr>
-            <a:lvl5pPr marL="1828800" indent="0">
-              <a:buNone/>
-              <a:defRPr sz="900"/>
+            <a:lvl5pPr marL="1371600" indent="0">
+              <a:buNone/>
+              <a:defRPr sz="675"/>
             </a:lvl5pPr>
-            <a:lvl6pPr marL="2286000" indent="0">
-              <a:buNone/>
-              <a:defRPr sz="900"/>
+            <a:lvl6pPr marL="1714500" indent="0">
+              <a:buNone/>
+              <a:defRPr sz="675"/>
             </a:lvl6pPr>
-            <a:lvl7pPr marL="2743200" indent="0">
-              <a:buNone/>
-              <a:defRPr sz="900"/>
+            <a:lvl7pPr marL="2057400" indent="0">
+              <a:buNone/>
+              <a:defRPr sz="675"/>
             </a:lvl7pPr>
-            <a:lvl8pPr marL="3200400" indent="0">
-              <a:buNone/>
-              <a:defRPr sz="900"/>
+            <a:lvl8pPr marL="2400300" indent="0">
+              <a:buNone/>
+              <a:defRPr sz="675"/>
             </a:lvl8pPr>
-            <a:lvl9pPr marL="3657600" indent="0">
-              <a:buNone/>
-              <a:defRPr sz="900"/>
+            <a:lvl9pPr marL="2743200" indent="0">
+              <a:buNone/>
+              <a:defRPr sz="675"/>
             </a:lvl9pPr>
           </a:lstStyle>
           <a:p>
             <a:pPr lvl="0"/>
             <a:r>
-              <a:rPr lang="en-US" smtClean="0"/>
+              <a:rPr lang="en-US"/>
               <a:t>Click to edit Master text styles</a:t>
             </a:r>
           </a:p>
@@ -2534,7 +2515,7 @@
           <a:p>
             <a:fld id="{241EB5C9-1307-BA42-ABA2-0BC069CD8E7F}" type="datetimeFigureOut">
               <a:rPr lang="en-US" smtClean="0"/>
-              <a:t>4/5/2019</a:t>
+              <a:t>1/2/22</a:t>
             </a:fld>
             <a:endParaRPr lang="en-US"/>
           </a:p>
@@ -2629,8 +2610,8 @@
         </p:nvSpPr>
         <p:spPr>
           <a:xfrm>
-            <a:off x="457200" y="274638"/>
-            <a:ext cx="8229600" cy="1143000"/>
+            <a:off x="457200" y="205979"/>
+            <a:ext cx="8229600" cy="857250"/>
           </a:xfrm>
           <a:prstGeom prst="rect">
             <a:avLst/>
@@ -2643,10 +2624,9 @@
           <a:lstStyle/>
           <a:p>
             <a:r>
-              <a:rPr lang="en-US" smtClean="0"/>
+              <a:rPr lang="en-US"/>
               <a:t>Click to edit Master title style</a:t>
             </a:r>
-            <a:endParaRPr lang="en-US"/>
           </a:p>
         </p:txBody>
       </p:sp>
@@ -2662,8 +2642,8 @@
         </p:nvSpPr>
         <p:spPr>
           <a:xfrm>
-            <a:off x="457200" y="1600200"/>
-            <a:ext cx="8229600" cy="4525963"/>
+            <a:off x="457200" y="1200151"/>
+            <a:ext cx="8229600" cy="3394472"/>
           </a:xfrm>
           <a:prstGeom prst="rect">
             <a:avLst/>
@@ -2677,38 +2657,37 @@
           <a:p>
             <a:pPr lvl="0"/>
             <a:r>
-              <a:rPr lang="en-US" smtClean="0"/>
+              <a:rPr lang="en-US"/>
               <a:t>Click to edit Master text styles</a:t>
             </a:r>
           </a:p>
           <a:p>
             <a:pPr lvl="1"/>
             <a:r>
-              <a:rPr lang="en-US" smtClean="0"/>
+              <a:rPr lang="en-US"/>
               <a:t>Second level</a:t>
             </a:r>
           </a:p>
           <a:p>
             <a:pPr lvl="2"/>
             <a:r>
-              <a:rPr lang="en-US" smtClean="0"/>
+              <a:rPr lang="en-US"/>
               <a:t>Third level</a:t>
             </a:r>
           </a:p>
           <a:p>
             <a:pPr lvl="3"/>
             <a:r>
-              <a:rPr lang="en-US" smtClean="0"/>
+              <a:rPr lang="en-US"/>
               <a:t>Fourth level</a:t>
             </a:r>
           </a:p>
           <a:p>
             <a:pPr lvl="4"/>
             <a:r>
-              <a:rPr lang="en-US" smtClean="0"/>
+              <a:rPr lang="en-US"/>
               <a:t>Fifth level</a:t>
             </a:r>
-            <a:endParaRPr lang="en-US"/>
           </a:p>
         </p:txBody>
       </p:sp>
@@ -2724,8 +2703,8 @@
         </p:nvSpPr>
         <p:spPr>
           <a:xfrm>
-            <a:off x="457200" y="6356350"/>
-            <a:ext cx="2133600" cy="365125"/>
+            <a:off x="457200" y="4767263"/>
+            <a:ext cx="2133600" cy="273844"/>
           </a:xfrm>
           <a:prstGeom prst="rect">
             <a:avLst/>
@@ -2735,7 +2714,7 @@
           <a:bodyPr anchor="ctr" bIns="45720" lIns="91440" rIns="91440" rtlCol="0" tIns="45720" vert="horz"/>
           <a:lstStyle>
             <a:lvl1pPr algn="l">
-              <a:defRPr sz="1200">
+              <a:defRPr sz="900">
                 <a:solidFill>
                   <a:schemeClr val="tx1">
                     <a:tint val="75000"/>
@@ -2747,7 +2726,7 @@
           <a:p>
             <a:fld id="{241EB5C9-1307-BA42-ABA2-0BC069CD8E7F}" type="datetimeFigureOut">
               <a:rPr lang="en-US" smtClean="0"/>
-              <a:t>4/5/2019</a:t>
+              <a:t>1/2/22</a:t>
             </a:fld>
             <a:endParaRPr lang="en-US"/>
           </a:p>
@@ -2765,8 +2744,8 @@
         </p:nvSpPr>
         <p:spPr>
           <a:xfrm>
-            <a:off x="3124200" y="6356350"/>
-            <a:ext cx="2895600" cy="365125"/>
+            <a:off x="3124200" y="4767263"/>
+            <a:ext cx="2895600" cy="273844"/>
           </a:xfrm>
           <a:prstGeom prst="rect">
             <a:avLst/>
@@ -2776,7 +2755,7 @@
           <a:bodyPr anchor="ctr" bIns="45720" lIns="91440" rIns="91440" rtlCol="0" tIns="45720" vert="horz"/>
           <a:lstStyle>
             <a:lvl1pPr algn="ctr">
-              <a:defRPr sz="1200">
+              <a:defRPr sz="900">
                 <a:solidFill>
                   <a:schemeClr val="tx1">
                     <a:tint val="75000"/>
@@ -2802,8 +2781,8 @@
         </p:nvSpPr>
         <p:spPr>
           <a:xfrm>
-            <a:off x="6553200" y="6356350"/>
-            <a:ext cx="2133600" cy="365125"/>
+            <a:off x="6553200" y="4767263"/>
+            <a:ext cx="2133600" cy="273844"/>
           </a:xfrm>
           <a:prstGeom prst="rect">
             <a:avLst/>
@@ -2813,7 +2792,7 @@
           <a:bodyPr anchor="ctr" bIns="45720" lIns="91440" rIns="91440" rtlCol="0" tIns="45720" vert="horz"/>
           <a:lstStyle>
             <a:lvl1pPr algn="r">
-              <a:defRPr sz="1200">
+              <a:defRPr sz="900">
                 <a:solidFill>
                   <a:schemeClr val="tx1">
                     <a:tint val="75000"/>
@@ -2854,12 +2833,12 @@
   </p:sldLayoutIdLst>
   <p:txStyles>
     <p:titleStyle>
-      <a:lvl1pPr algn="ctr" defTabSz="457200" eaLnBrk="1" hangingPunct="1" latinLnBrk="0" rtl="0">
+      <a:lvl1pPr algn="ctr" defTabSz="342900" eaLnBrk="1" hangingPunct="1" latinLnBrk="0" rtl="0">
         <a:spcBef>
           <a:spcPct val="0"/>
         </a:spcBef>
         <a:buNone/>
-        <a:defRPr kern="1200" sz="4400">
+        <a:defRPr kern="1200" sz="3300">
           <a:solidFill>
             <a:schemeClr val="tx1"/>
           </a:solidFill>
@@ -2870,37 +2849,7 @@
       </a:lvl1pPr>
     </p:titleStyle>
     <p:bodyStyle>
-      <a:lvl1pPr algn="l" defTabSz="457200" eaLnBrk="1" hangingPunct="1" indent="-457200" latinLnBrk="0" marL="457200" rtl="0">
-        <a:spcBef>
-          <a:spcPct val="20000"/>
-        </a:spcBef>
-        <a:buFont typeface="Arial"/>
-        <a:buChar char="•"/>
-        <a:defRPr kern="1200" sz="3200">
-          <a:solidFill>
-            <a:schemeClr val="tx1"/>
-          </a:solidFill>
-          <a:latin typeface="+mn-lt"/>
-          <a:ea typeface="+mn-ea"/>
-          <a:cs typeface="+mn-cs"/>
-        </a:defRPr>
-      </a:lvl1pPr>
-      <a:lvl2pPr algn="l" defTabSz="457200" eaLnBrk="1" hangingPunct="1" indent="-457200" latinLnBrk="0" marL="914400" rtl="0">
-        <a:spcBef>
-          <a:spcPct val="20000"/>
-        </a:spcBef>
-        <a:buFont typeface="Arial"/>
-        <a:buChar char="–"/>
-        <a:defRPr kern="1200" sz="2800">
-          <a:solidFill>
-            <a:schemeClr val="tx1"/>
-          </a:solidFill>
-          <a:latin typeface="+mn-lt"/>
-          <a:ea typeface="+mn-ea"/>
-          <a:cs typeface="+mn-cs"/>
-        </a:defRPr>
-      </a:lvl2pPr>
-      <a:lvl3pPr algn="l" defTabSz="457200" eaLnBrk="1" hangingPunct="1" indent="-457200" latinLnBrk="0" marL="1371600" rtl="0">
+      <a:lvl1pPr algn="l" defTabSz="342900" eaLnBrk="1" hangingPunct="1" indent="-342900" latinLnBrk="0" marL="342900" rtl="0">
         <a:spcBef>
           <a:spcPct val="20000"/>
         </a:spcBef>
@@ -2914,14 +2863,44 @@
           <a:ea typeface="+mn-ea"/>
           <a:cs typeface="+mn-cs"/>
         </a:defRPr>
-      </a:lvl3pPr>
-      <a:lvl4pPr algn="l" defTabSz="457200" eaLnBrk="1" hangingPunct="1" indent="-457200" latinLnBrk="0" marL="1828800" rtl="0">
+      </a:lvl1pPr>
+      <a:lvl2pPr algn="l" defTabSz="342900" eaLnBrk="1" hangingPunct="1" indent="-342900" latinLnBrk="0" marL="685800" rtl="0">
         <a:spcBef>
           <a:spcPct val="20000"/>
         </a:spcBef>
         <a:buFont typeface="Arial"/>
         <a:buChar char="–"/>
-        <a:defRPr kern="1200" sz="2000">
+        <a:defRPr kern="1200" sz="2100">
+          <a:solidFill>
+            <a:schemeClr val="tx1"/>
+          </a:solidFill>
+          <a:latin typeface="+mn-lt"/>
+          <a:ea typeface="+mn-ea"/>
+          <a:cs typeface="+mn-cs"/>
+        </a:defRPr>
+      </a:lvl2pPr>
+      <a:lvl3pPr algn="l" defTabSz="342900" eaLnBrk="1" hangingPunct="1" indent="-342900" latinLnBrk="0" marL="1028700" rtl="0">
+        <a:spcBef>
+          <a:spcPct val="20000"/>
+        </a:spcBef>
+        <a:buFont typeface="Arial"/>
+        <a:buChar char="•"/>
+        <a:defRPr kern="1200" sz="1800">
+          <a:solidFill>
+            <a:schemeClr val="tx1"/>
+          </a:solidFill>
+          <a:latin typeface="+mn-lt"/>
+          <a:ea typeface="+mn-ea"/>
+          <a:cs typeface="+mn-cs"/>
+        </a:defRPr>
+      </a:lvl3pPr>
+      <a:lvl4pPr algn="l" defTabSz="342900" eaLnBrk="1" hangingPunct="1" indent="-342900" latinLnBrk="0" marL="1371600" rtl="0">
+        <a:spcBef>
+          <a:spcPct val="20000"/>
+        </a:spcBef>
+        <a:buFont typeface="Arial"/>
+        <a:buChar char="–"/>
+        <a:defRPr kern="1200" sz="1500">
           <a:solidFill>
             <a:schemeClr val="tx1"/>
           </a:solidFill>
@@ -2930,13 +2909,13 @@
           <a:cs typeface="+mn-cs"/>
         </a:defRPr>
       </a:lvl4pPr>
-      <a:lvl5pPr algn="l" defTabSz="457200" eaLnBrk="1" hangingPunct="1" indent="-457200" latinLnBrk="0" marL="2286000" rtl="0">
+      <a:lvl5pPr algn="l" defTabSz="342900" eaLnBrk="1" hangingPunct="1" indent="-342900" latinLnBrk="0" marL="1714500" rtl="0">
         <a:spcBef>
           <a:spcPct val="20000"/>
         </a:spcBef>
         <a:buFont typeface="Arial"/>
         <a:buChar char="»"/>
-        <a:defRPr kern="1200" sz="2000">
+        <a:defRPr kern="1200" sz="1500">
           <a:solidFill>
             <a:schemeClr val="tx1"/>
           </a:solidFill>
@@ -2945,13 +2924,13 @@
           <a:cs typeface="+mn-cs"/>
         </a:defRPr>
       </a:lvl5pPr>
-      <a:lvl6pPr algn="l" defTabSz="457200" eaLnBrk="1" hangingPunct="1" indent="-457200" latinLnBrk="0" marL="2743200" rtl="0">
+      <a:lvl6pPr algn="l" defTabSz="342900" eaLnBrk="1" hangingPunct="1" indent="-342900" latinLnBrk="0" marL="2057400" rtl="0">
         <a:spcBef>
           <a:spcPct val="20000"/>
         </a:spcBef>
         <a:buFont typeface="Arial"/>
         <a:buChar char="•"/>
-        <a:defRPr kern="1200" sz="2000">
+        <a:defRPr kern="1200" sz="1500">
           <a:solidFill>
             <a:schemeClr val="tx1"/>
           </a:solidFill>
@@ -2960,13 +2939,13 @@
           <a:cs typeface="+mn-cs"/>
         </a:defRPr>
       </a:lvl6pPr>
-      <a:lvl7pPr algn="l" defTabSz="457200" eaLnBrk="1" hangingPunct="1" indent="-457200" latinLnBrk="0" marL="3200400" rtl="0">
+      <a:lvl7pPr algn="l" defTabSz="342900" eaLnBrk="1" hangingPunct="1" indent="-342900" latinLnBrk="0" marL="2400300" rtl="0">
         <a:spcBef>
           <a:spcPct val="20000"/>
         </a:spcBef>
         <a:buFont typeface="Arial"/>
         <a:buChar char="•"/>
-        <a:defRPr kern="1200" sz="2000">
+        <a:defRPr kern="1200" sz="1500">
           <a:solidFill>
             <a:schemeClr val="tx1"/>
           </a:solidFill>
@@ -2975,13 +2954,13 @@
           <a:cs typeface="+mn-cs"/>
         </a:defRPr>
       </a:lvl7pPr>
-      <a:lvl8pPr algn="l" defTabSz="457200" eaLnBrk="1" hangingPunct="1" indent="-457200" latinLnBrk="0" marL="3657600" rtl="0">
+      <a:lvl8pPr algn="l" defTabSz="342900" eaLnBrk="1" hangingPunct="1" indent="-342900" latinLnBrk="0" marL="2743200" rtl="0">
         <a:spcBef>
           <a:spcPct val="20000"/>
         </a:spcBef>
         <a:buFont typeface="Arial"/>
         <a:buChar char="•"/>
-        <a:defRPr kern="1200" sz="2000">
+        <a:defRPr kern="1200" sz="1500">
           <a:solidFill>
             <a:schemeClr val="tx1"/>
           </a:solidFill>
@@ -2990,13 +2969,13 @@
           <a:cs typeface="+mn-cs"/>
         </a:defRPr>
       </a:lvl8pPr>
-      <a:lvl9pPr algn="l" defTabSz="457200" eaLnBrk="1" hangingPunct="1" indent="-457200" latinLnBrk="0" marL="4114800" rtl="0">
+      <a:lvl9pPr algn="l" defTabSz="342900" eaLnBrk="1" hangingPunct="1" indent="-342900" latinLnBrk="0" marL="3086100" rtl="0">
         <a:spcBef>
           <a:spcPct val="20000"/>
         </a:spcBef>
         <a:buFont typeface="Arial"/>
         <a:buChar char="•"/>
-        <a:defRPr kern="1200" sz="2000">
+        <a:defRPr kern="1200" sz="1500">
           <a:solidFill>
             <a:schemeClr val="tx1"/>
           </a:solidFill>
@@ -3010,8 +2989,8 @@
       <a:defPPr>
         <a:defRPr lang="en-US"/>
       </a:defPPr>
-      <a:lvl1pPr algn="l" defTabSz="457200" eaLnBrk="1" hangingPunct="1" latinLnBrk="0" marL="0" rtl="0">
-        <a:defRPr kern="1200" sz="1800">
+      <a:lvl1pPr algn="l" defTabSz="342900" eaLnBrk="1" hangingPunct="1" latinLnBrk="0" marL="0" rtl="0">
+        <a:defRPr kern="1200" sz="1350">
           <a:solidFill>
             <a:schemeClr val="tx1"/>
           </a:solidFill>
@@ -3020,8 +2999,8 @@
           <a:cs typeface="+mn-cs"/>
         </a:defRPr>
       </a:lvl1pPr>
-      <a:lvl2pPr algn="l" defTabSz="457200" eaLnBrk="1" hangingPunct="1" latinLnBrk="0" marL="457200" rtl="0">
-        <a:defRPr kern="1200" sz="1800">
+      <a:lvl2pPr algn="l" defTabSz="342900" eaLnBrk="1" hangingPunct="1" latinLnBrk="0" marL="342900" rtl="0">
+        <a:defRPr kern="1200" sz="1350">
           <a:solidFill>
             <a:schemeClr val="tx1"/>
           </a:solidFill>
@@ -3030,8 +3009,8 @@
           <a:cs typeface="+mn-cs"/>
         </a:defRPr>
       </a:lvl2pPr>
-      <a:lvl3pPr algn="l" defTabSz="457200" eaLnBrk="1" hangingPunct="1" latinLnBrk="0" marL="914400" rtl="0">
-        <a:defRPr kern="1200" sz="1800">
+      <a:lvl3pPr algn="l" defTabSz="342900" eaLnBrk="1" hangingPunct="1" latinLnBrk="0" marL="685800" rtl="0">
+        <a:defRPr kern="1200" sz="1350">
           <a:solidFill>
             <a:schemeClr val="tx1"/>
           </a:solidFill>
@@ -3040,8 +3019,8 @@
           <a:cs typeface="+mn-cs"/>
         </a:defRPr>
       </a:lvl3pPr>
-      <a:lvl4pPr algn="l" defTabSz="457200" eaLnBrk="1" hangingPunct="1" latinLnBrk="0" marL="1371600" rtl="0">
-        <a:defRPr kern="1200" sz="1800">
+      <a:lvl4pPr algn="l" defTabSz="342900" eaLnBrk="1" hangingPunct="1" latinLnBrk="0" marL="1028700" rtl="0">
+        <a:defRPr kern="1200" sz="1350">
           <a:solidFill>
             <a:schemeClr val="tx1"/>
           </a:solidFill>
@@ -3050,8 +3029,8 @@
           <a:cs typeface="+mn-cs"/>
         </a:defRPr>
       </a:lvl4pPr>
-      <a:lvl5pPr algn="l" defTabSz="457200" eaLnBrk="1" hangingPunct="1" latinLnBrk="0" marL="1828800" rtl="0">
-        <a:defRPr kern="1200" sz="1800">
+      <a:lvl5pPr algn="l" defTabSz="342900" eaLnBrk="1" hangingPunct="1" latinLnBrk="0" marL="1371600" rtl="0">
+        <a:defRPr kern="1200" sz="1350">
           <a:solidFill>
             <a:schemeClr val="tx1"/>
           </a:solidFill>
@@ -3060,8 +3039,8 @@
           <a:cs typeface="+mn-cs"/>
         </a:defRPr>
       </a:lvl5pPr>
-      <a:lvl6pPr algn="l" defTabSz="457200" eaLnBrk="1" hangingPunct="1" latinLnBrk="0" marL="2286000" rtl="0">
-        <a:defRPr kern="1200" sz="1800">
+      <a:lvl6pPr algn="l" defTabSz="342900" eaLnBrk="1" hangingPunct="1" latinLnBrk="0" marL="1714500" rtl="0">
+        <a:defRPr kern="1200" sz="1350">
           <a:solidFill>
             <a:schemeClr val="tx1"/>
           </a:solidFill>
@@ -3070,8 +3049,8 @@
           <a:cs typeface="+mn-cs"/>
         </a:defRPr>
       </a:lvl6pPr>
-      <a:lvl7pPr algn="l" defTabSz="457200" eaLnBrk="1" hangingPunct="1" latinLnBrk="0" marL="2743200" rtl="0">
-        <a:defRPr kern="1200" sz="1800">
+      <a:lvl7pPr algn="l" defTabSz="342900" eaLnBrk="1" hangingPunct="1" latinLnBrk="0" marL="2057400" rtl="0">
+        <a:defRPr kern="1200" sz="1350">
           <a:solidFill>
             <a:schemeClr val="tx1"/>
           </a:solidFill>
@@ -3080,8 +3059,8 @@
           <a:cs typeface="+mn-cs"/>
         </a:defRPr>
       </a:lvl7pPr>
-      <a:lvl8pPr algn="l" defTabSz="457200" eaLnBrk="1" hangingPunct="1" latinLnBrk="0" marL="3200400" rtl="0">
-        <a:defRPr kern="1200" sz="1800">
+      <a:lvl8pPr algn="l" defTabSz="342900" eaLnBrk="1" hangingPunct="1" latinLnBrk="0" marL="2400300" rtl="0">
+        <a:defRPr kern="1200" sz="1350">
           <a:solidFill>
             <a:schemeClr val="tx1"/>
           </a:solidFill>
@@ -3090,8 +3069,8 @@
           <a:cs typeface="+mn-cs"/>
         </a:defRPr>
       </a:lvl8pPr>
-      <a:lvl9pPr algn="l" defTabSz="457200" eaLnBrk="1" hangingPunct="1" latinLnBrk="0" marL="3657600" rtl="0">
-        <a:defRPr kern="1200" sz="1800">
+      <a:lvl9pPr algn="l" defTabSz="342900" eaLnBrk="1" hangingPunct="1" latinLnBrk="0" marL="2743200" rtl="0">
+        <a:defRPr kern="1200" sz="1350">
           <a:solidFill>
             <a:schemeClr val="tx1"/>
           </a:solidFill>
@@ -5013,7 +4992,7 @@
           <a:bodyPr/>
           <a:lstStyle/>
           <a:p>
-            <a:pPr lvl="0" indent="-457200" marL="457200">
+            <a:pPr lvl="0" indent="-342900" marL="342900">
               <a:buAutoNum type="arabicPeriod"/>
             </a:pPr>
             <a:r>
@@ -5022,7 +5001,7 @@
             </a:r>
           </a:p>
           <a:p>
-            <a:pPr lvl="0" indent="-457200" marL="457200">
+            <a:pPr lvl="0" indent="-342900" marL="342900">
               <a:buAutoNum type="arabicPeriod"/>
             </a:pPr>
             <a:r>
@@ -5031,7 +5010,7 @@
             </a:r>
           </a:p>
           <a:p>
-            <a:pPr lvl="0" indent="-457200" marL="457200">
+            <a:pPr lvl="0" indent="-342900" marL="342900">
               <a:buAutoNum type="arabicPeriod"/>
             </a:pPr>
             <a:r>
@@ -5946,8 +5925,8 @@
         </p:blipFill>
         <p:spPr bwMode="auto">
           <a:xfrm>
-            <a:off x="469900" y="1600200"/>
-            <a:ext cx="4013200" cy="4013200"/>
+            <a:off x="1041400" y="1193800"/>
+            <a:ext cx="2882900" cy="2882900"/>
           </a:xfrm>
           <a:prstGeom prst="rect">
             <a:avLst/>
@@ -5968,7 +5947,7 @@
         </p:nvSpPr>
         <p:spPr>
           <a:xfrm>
-            <a:off x="457200" y="5613400"/>
+            <a:off x="457200" y="4076700"/>
             <a:ext cx="4038600" cy="508000"/>
           </a:xfrm>
           <a:prstGeom prst="rect">
@@ -6241,8 +6220,8 @@
         </p:nvSpPr>
         <p:spPr>
           <a:xfrm>
-            <a:off x="457200" y="273050"/>
-            <a:ext cx="3008313" cy="1162050"/>
+            <a:off x="457201" y="204787"/>
+            <a:ext cx="3008313" cy="871538"/>
           </a:xfrm>
         </p:spPr>
         <p:txBody>
@@ -6330,8 +6309,8 @@
         </p:blipFill>
         <p:spPr bwMode="auto">
           <a:xfrm>
-            <a:off x="3568700" y="381000"/>
-            <a:ext cx="5105400" cy="5105400"/>
+            <a:off x="4191000" y="203200"/>
+            <a:ext cx="3873500" cy="3873500"/>
           </a:xfrm>
           <a:prstGeom prst="rect">
             <a:avLst/>
@@ -6352,7 +6331,7 @@
         </p:nvSpPr>
         <p:spPr>
           <a:xfrm>
-            <a:off x="3568700" y="5600700"/>
+            <a:off x="3568700" y="4076700"/>
             <a:ext cx="5105400" cy="508000"/>
           </a:xfrm>
           <a:prstGeom prst="rect">
@@ -6654,8 +6633,8 @@
         </p:blipFill>
         <p:spPr bwMode="auto">
           <a:xfrm>
-            <a:off x="762000" y="2171700"/>
-            <a:ext cx="3441700" cy="3441700"/>
+            <a:off x="1244600" y="1625600"/>
+            <a:ext cx="2451100" cy="2451100"/>
           </a:xfrm>
           <a:prstGeom prst="rect">
             <a:avLst/>
@@ -6676,7 +6655,7 @@
         </p:nvSpPr>
         <p:spPr>
           <a:xfrm>
-            <a:off x="457200" y="5613400"/>
+            <a:off x="457200" y="4076700"/>
             <a:ext cx="4038600" cy="508000"/>
           </a:xfrm>
           <a:prstGeom prst="rect">
@@ -6713,7 +6692,7 @@
           <a:bodyPr/>
           <a:lstStyle/>
           <a:p>
-            <a:pPr lvl="0" indent="-457200" marL="457200">
+            <a:pPr lvl="0" indent="-342900" marL="342900">
               <a:buAutoNum type="arabicPeriod"/>
             </a:pPr>
             <a:r>
@@ -6722,7 +6701,7 @@
             </a:r>
           </a:p>
           <a:p>
-            <a:pPr lvl="0" indent="-457200" marL="457200">
+            <a:pPr lvl="0" indent="-342900" marL="342900">
               <a:buAutoNum type="arabicPeriod"/>
             </a:pPr>
             <a:r>
@@ -6731,7 +6710,7 @@
             </a:r>
           </a:p>
           <a:p>
-            <a:pPr lvl="0" indent="-457200" marL="457200">
+            <a:pPr lvl="0" indent="-342900" marL="342900">
               <a:buAutoNum type="arabicPeriod"/>
             </a:pPr>
             <a:r>
@@ -6752,8 +6731,8 @@
           </p:nvPr>
         </p:nvGraphicFramePr>
         <p:xfrm>
-          <a:off x="4635500" y="2171700"/>
-          <a:ext cx="4038600" cy="3949700"/>
+          <a:off x="4635500" y="1625600"/>
+          <a:ext cx="4038600" cy="2959100"/>
         </p:xfrm>
         <a:graphic>
           <a:graphicData uri="http://schemas.openxmlformats.org/drawingml/2006/table">
